--- a/design/ppt/架構圖.pptx
+++ b/design/ppt/架構圖.pptx
@@ -1468,6 +1468,487 @@
         </a:p>
       </dgm:t>
     </dgm:pt>
+    <dgm:pt modelId="{2B6298F8-00B2-4E7E-BA2D-51D1C93F5A88}">
+      <dgm:prSet phldrT="[文字]"/>
+      <dgm:spPr/>
+      <dgm:t>
+        <a:bodyPr/>
+        <a:lstStyle/>
+        <a:p>
+          <a:r>
+            <a:rPr lang="zh-TW" altLang="en-US" dirty="0" smtClean="0"/>
+            <a:t>聯絡我們</a:t>
+          </a:r>
+          <a:endParaRPr lang="zh-TW" altLang="en-US" dirty="0"/>
+        </a:p>
+      </dgm:t>
+    </dgm:pt>
+    <dgm:pt modelId="{6FF11033-C45B-493F-8838-1802BC37DE32}" type="parTrans" cxnId="{5E588EC4-10E1-490E-83D3-6BB07FBA752A}">
+      <dgm:prSet/>
+      <dgm:spPr/>
+      <dgm:t>
+        <a:bodyPr/>
+        <a:lstStyle/>
+        <a:p>
+          <a:endParaRPr lang="zh-TW" altLang="en-US"/>
+        </a:p>
+      </dgm:t>
+    </dgm:pt>
+    <dgm:pt modelId="{20C85699-93A5-4C7B-9137-8F05EB57E143}" type="sibTrans" cxnId="{5E588EC4-10E1-490E-83D3-6BB07FBA752A}">
+      <dgm:prSet/>
+      <dgm:spPr/>
+      <dgm:t>
+        <a:bodyPr/>
+        <a:lstStyle/>
+        <a:p>
+          <a:endParaRPr lang="zh-TW" altLang="en-US"/>
+        </a:p>
+      </dgm:t>
+    </dgm:pt>
+    <dgm:pt modelId="{9C6E0D90-E543-4B79-9E08-59BBE97634B7}">
+      <dgm:prSet phldrT="[文字]"/>
+      <dgm:spPr/>
+      <dgm:t>
+        <a:bodyPr/>
+        <a:lstStyle/>
+        <a:p>
+          <a:r>
+            <a:rPr lang="zh-TW" altLang="en-US" dirty="0" smtClean="0"/>
+            <a:t>錫蘭紅茶</a:t>
+          </a:r>
+          <a:endParaRPr lang="zh-TW" altLang="en-US" dirty="0"/>
+        </a:p>
+      </dgm:t>
+    </dgm:pt>
+    <dgm:pt modelId="{35DF4C5F-B15C-4783-8A07-EEC7210AB4EB}" type="parTrans" cxnId="{C503E2F9-5C3E-4DD9-A0A7-52FD7285ADDF}">
+      <dgm:prSet/>
+      <dgm:spPr/>
+      <dgm:t>
+        <a:bodyPr/>
+        <a:lstStyle/>
+        <a:p>
+          <a:endParaRPr lang="zh-TW" altLang="en-US"/>
+        </a:p>
+      </dgm:t>
+    </dgm:pt>
+    <dgm:pt modelId="{1D51DD7D-4944-4DA5-B8AC-83D76CC5CE56}" type="sibTrans" cxnId="{C503E2F9-5C3E-4DD9-A0A7-52FD7285ADDF}">
+      <dgm:prSet/>
+      <dgm:spPr/>
+      <dgm:t>
+        <a:bodyPr/>
+        <a:lstStyle/>
+        <a:p>
+          <a:endParaRPr lang="zh-TW" altLang="en-US"/>
+        </a:p>
+      </dgm:t>
+    </dgm:pt>
+    <dgm:pt modelId="{4FEE0943-381E-4221-AD39-5349F92CB8AA}">
+      <dgm:prSet phldrT="[文字]"/>
+      <dgm:spPr/>
+      <dgm:t>
+        <a:bodyPr/>
+        <a:lstStyle/>
+        <a:p>
+          <a:r>
+            <a:rPr lang="zh-TW" altLang="en-US" dirty="0" smtClean="0"/>
+            <a:t>阿薩姆紅茶</a:t>
+          </a:r>
+          <a:endParaRPr lang="zh-TW" altLang="en-US" dirty="0"/>
+        </a:p>
+      </dgm:t>
+    </dgm:pt>
+    <dgm:pt modelId="{A0A1C4EC-603F-4A1D-9692-FB5C5006D447}" type="parTrans" cxnId="{BB6A7180-48AF-469F-B1B1-06462EC44872}">
+      <dgm:prSet/>
+      <dgm:spPr/>
+      <dgm:t>
+        <a:bodyPr/>
+        <a:lstStyle/>
+        <a:p>
+          <a:endParaRPr lang="zh-TW" altLang="en-US"/>
+        </a:p>
+      </dgm:t>
+    </dgm:pt>
+    <dgm:pt modelId="{C1D8BF1C-8F19-48A3-A9CE-85CE0580C326}" type="sibTrans" cxnId="{BB6A7180-48AF-469F-B1B1-06462EC44872}">
+      <dgm:prSet/>
+      <dgm:spPr/>
+      <dgm:t>
+        <a:bodyPr/>
+        <a:lstStyle/>
+        <a:p>
+          <a:endParaRPr lang="zh-TW" altLang="en-US"/>
+        </a:p>
+      </dgm:t>
+    </dgm:pt>
+    <dgm:pt modelId="{F7C7BFF5-BB30-4452-B1D5-2B880FF80C60}">
+      <dgm:prSet phldrT="[文字]"/>
+      <dgm:spPr/>
+      <dgm:t>
+        <a:bodyPr/>
+        <a:lstStyle/>
+        <a:p>
+          <a:r>
+            <a:rPr lang="zh-TW" altLang="en-US" dirty="0" smtClean="0"/>
+            <a:t>台灣紅茶</a:t>
+          </a:r>
+          <a:endParaRPr lang="zh-TW" altLang="en-US" dirty="0"/>
+        </a:p>
+      </dgm:t>
+    </dgm:pt>
+    <dgm:pt modelId="{C8328707-F304-430F-BCA7-37B3076F439B}" type="parTrans" cxnId="{C3F02840-ACE5-44BC-ACD1-D760CB7B9C67}">
+      <dgm:prSet/>
+      <dgm:spPr/>
+      <dgm:t>
+        <a:bodyPr/>
+        <a:lstStyle/>
+        <a:p>
+          <a:endParaRPr lang="zh-TW" altLang="en-US"/>
+        </a:p>
+      </dgm:t>
+    </dgm:pt>
+    <dgm:pt modelId="{062F3E5B-75B5-4406-9ED9-9436B658D724}" type="sibTrans" cxnId="{C3F02840-ACE5-44BC-ACD1-D760CB7B9C67}">
+      <dgm:prSet/>
+      <dgm:spPr/>
+      <dgm:t>
+        <a:bodyPr/>
+        <a:lstStyle/>
+        <a:p>
+          <a:endParaRPr lang="zh-TW" altLang="en-US"/>
+        </a:p>
+      </dgm:t>
+    </dgm:pt>
+    <dgm:pt modelId="{9AB0FA4E-D2C3-4186-BCF2-2F5C8C857639}">
+      <dgm:prSet phldrT="[文字]"/>
+      <dgm:spPr/>
+      <dgm:t>
+        <a:bodyPr/>
+        <a:lstStyle/>
+        <a:p>
+          <a:r>
+            <a:rPr lang="zh-TW" altLang="en-US" dirty="0" smtClean="0"/>
+            <a:t>大吉嶺茶</a:t>
+          </a:r>
+          <a:endParaRPr lang="zh-TW" altLang="en-US" dirty="0"/>
+        </a:p>
+      </dgm:t>
+    </dgm:pt>
+    <dgm:pt modelId="{8C9CE0E4-2A85-4DA4-81FE-FCA39A56B4CC}" type="parTrans" cxnId="{E2799E9F-3A9F-4864-993F-930682439938}">
+      <dgm:prSet/>
+      <dgm:spPr/>
+      <dgm:t>
+        <a:bodyPr/>
+        <a:lstStyle/>
+        <a:p>
+          <a:endParaRPr lang="zh-TW" altLang="en-US"/>
+        </a:p>
+      </dgm:t>
+    </dgm:pt>
+    <dgm:pt modelId="{237E9555-3065-4D3D-B45B-2F1B8A967525}" type="sibTrans" cxnId="{E2799E9F-3A9F-4864-993F-930682439938}">
+      <dgm:prSet/>
+      <dgm:spPr/>
+      <dgm:t>
+        <a:bodyPr/>
+        <a:lstStyle/>
+        <a:p>
+          <a:endParaRPr lang="zh-TW" altLang="en-US"/>
+        </a:p>
+      </dgm:t>
+    </dgm:pt>
+    <dgm:pt modelId="{00E5D77B-11C4-468D-ADEA-B1F18244A728}">
+      <dgm:prSet phldrT="[文字]"/>
+      <dgm:spPr/>
+      <dgm:t>
+        <a:bodyPr/>
+        <a:lstStyle/>
+        <a:p>
+          <a:r>
+            <a:rPr lang="zh-TW" altLang="en-US" b="0" i="0" dirty="0" smtClean="0"/>
+            <a:t>台灣碧螺春綠茶</a:t>
+          </a:r>
+          <a:endParaRPr lang="zh-TW" altLang="en-US" dirty="0"/>
+        </a:p>
+      </dgm:t>
+    </dgm:pt>
+    <dgm:pt modelId="{48A4F603-21E2-4F86-9954-3606D3B476AC}" type="parTrans" cxnId="{00866A31-837A-4BAC-89D4-9287386D23E4}">
+      <dgm:prSet/>
+      <dgm:spPr/>
+      <dgm:t>
+        <a:bodyPr/>
+        <a:lstStyle/>
+        <a:p>
+          <a:endParaRPr lang="zh-TW" altLang="en-US"/>
+        </a:p>
+      </dgm:t>
+    </dgm:pt>
+    <dgm:pt modelId="{B65CB867-39F2-492A-8D03-47FA03F45AF7}" type="sibTrans" cxnId="{00866A31-837A-4BAC-89D4-9287386D23E4}">
+      <dgm:prSet/>
+      <dgm:spPr/>
+      <dgm:t>
+        <a:bodyPr/>
+        <a:lstStyle/>
+        <a:p>
+          <a:endParaRPr lang="zh-TW" altLang="en-US"/>
+        </a:p>
+      </dgm:t>
+    </dgm:pt>
+    <dgm:pt modelId="{3B97B7D9-39D7-4EAE-9EFB-70C69B45D92F}">
+      <dgm:prSet phldrT="[文字]"/>
+      <dgm:spPr/>
+      <dgm:t>
+        <a:bodyPr/>
+        <a:lstStyle/>
+        <a:p>
+          <a:r>
+            <a:rPr lang="zh-TW" altLang="en-US" b="0" i="0" dirty="0" smtClean="0"/>
+            <a:t>台灣龍井茶</a:t>
+          </a:r>
+          <a:endParaRPr lang="zh-TW" altLang="en-US" dirty="0"/>
+        </a:p>
+      </dgm:t>
+    </dgm:pt>
+    <dgm:pt modelId="{0095431E-541E-4A9E-82FF-3449DCA5E12B}" type="parTrans" cxnId="{7B20453A-E67D-428E-814C-60FA2643EBF8}">
+      <dgm:prSet/>
+      <dgm:spPr/>
+      <dgm:t>
+        <a:bodyPr/>
+        <a:lstStyle/>
+        <a:p>
+          <a:endParaRPr lang="zh-TW" altLang="en-US"/>
+        </a:p>
+      </dgm:t>
+    </dgm:pt>
+    <dgm:pt modelId="{603EA9F4-59AB-48A1-AA74-48B67B95A2E7}" type="sibTrans" cxnId="{7B20453A-E67D-428E-814C-60FA2643EBF8}">
+      <dgm:prSet/>
+      <dgm:spPr/>
+      <dgm:t>
+        <a:bodyPr/>
+        <a:lstStyle/>
+        <a:p>
+          <a:endParaRPr lang="zh-TW" altLang="en-US"/>
+        </a:p>
+      </dgm:t>
+    </dgm:pt>
+    <dgm:pt modelId="{1910C68D-B9AF-43DE-9A9B-64BE4ADEACE7}">
+      <dgm:prSet phldrT="[文字]"/>
+      <dgm:spPr/>
+      <dgm:t>
+        <a:bodyPr/>
+        <a:lstStyle/>
+        <a:p>
+          <a:r>
+            <a:rPr lang="zh-TW" altLang="en-US" b="1" i="0" dirty="0" smtClean="0"/>
+            <a:t>桂平西山茶</a:t>
+          </a:r>
+          <a:endParaRPr lang="zh-TW" altLang="en-US" dirty="0"/>
+        </a:p>
+      </dgm:t>
+    </dgm:pt>
+    <dgm:pt modelId="{6C03A255-7BB0-4175-A915-279FA738048C}" type="parTrans" cxnId="{FC9F6B27-9379-4099-8CB1-BFA4C53A64A0}">
+      <dgm:prSet/>
+      <dgm:spPr/>
+      <dgm:t>
+        <a:bodyPr/>
+        <a:lstStyle/>
+        <a:p>
+          <a:endParaRPr lang="zh-TW" altLang="en-US"/>
+        </a:p>
+      </dgm:t>
+    </dgm:pt>
+    <dgm:pt modelId="{1D3C4F31-B942-40A4-87E7-A77144CA3062}" type="sibTrans" cxnId="{FC9F6B27-9379-4099-8CB1-BFA4C53A64A0}">
+      <dgm:prSet/>
+      <dgm:spPr/>
+      <dgm:t>
+        <a:bodyPr/>
+        <a:lstStyle/>
+        <a:p>
+          <a:endParaRPr lang="zh-TW" altLang="en-US"/>
+        </a:p>
+      </dgm:t>
+    </dgm:pt>
+    <dgm:pt modelId="{BC757677-C2FA-4E82-8D55-EDF022253A81}">
+      <dgm:prSet phldrT="[文字]"/>
+      <dgm:spPr/>
+      <dgm:t>
+        <a:bodyPr/>
+        <a:lstStyle/>
+        <a:p>
+          <a:r>
+            <a:rPr lang="zh-TW" altLang="en-US" b="1" i="0" smtClean="0"/>
+            <a:t>午子仙毫茶</a:t>
+          </a:r>
+          <a:endParaRPr lang="zh-TW" altLang="en-US" dirty="0"/>
+        </a:p>
+      </dgm:t>
+    </dgm:pt>
+    <dgm:pt modelId="{5A2D632A-8FBF-416A-AD66-E4C67CD599FF}" type="parTrans" cxnId="{F312EB94-6B5D-4E1B-A61B-CC71B604AC28}">
+      <dgm:prSet/>
+      <dgm:spPr/>
+      <dgm:t>
+        <a:bodyPr/>
+        <a:lstStyle/>
+        <a:p>
+          <a:endParaRPr lang="zh-TW" altLang="en-US"/>
+        </a:p>
+      </dgm:t>
+    </dgm:pt>
+    <dgm:pt modelId="{C47CAA35-9F96-4518-AF19-907178D46AE2}" type="sibTrans" cxnId="{F312EB94-6B5D-4E1B-A61B-CC71B604AC28}">
+      <dgm:prSet/>
+      <dgm:spPr/>
+      <dgm:t>
+        <a:bodyPr/>
+        <a:lstStyle/>
+        <a:p>
+          <a:endParaRPr lang="zh-TW" altLang="en-US"/>
+        </a:p>
+      </dgm:t>
+    </dgm:pt>
+    <dgm:pt modelId="{F4ADCF5C-F845-40DB-BABD-CF2BF1AF0D47}">
+      <dgm:prSet phldrT="[文字]"/>
+      <dgm:spPr/>
+      <dgm:t>
+        <a:bodyPr/>
+        <a:lstStyle/>
+        <a:p>
+          <a:r>
+            <a:rPr lang="zh-TW" altLang="en-US" dirty="0" smtClean="0"/>
+            <a:t>大紅袍</a:t>
+          </a:r>
+          <a:endParaRPr lang="zh-TW" altLang="en-US" dirty="0"/>
+        </a:p>
+      </dgm:t>
+    </dgm:pt>
+    <dgm:pt modelId="{8D6E9C47-FF39-47E3-A4A6-725D15DF0A03}" type="parTrans" cxnId="{5C94187B-C6F9-4672-8579-900CD617CE12}">
+      <dgm:prSet/>
+      <dgm:spPr/>
+      <dgm:t>
+        <a:bodyPr/>
+        <a:lstStyle/>
+        <a:p>
+          <a:endParaRPr lang="zh-TW" altLang="en-US"/>
+        </a:p>
+      </dgm:t>
+    </dgm:pt>
+    <dgm:pt modelId="{A0EF142D-6E3F-42C1-8501-6B5223E4B94B}" type="sibTrans" cxnId="{5C94187B-C6F9-4672-8579-900CD617CE12}">
+      <dgm:prSet/>
+      <dgm:spPr/>
+      <dgm:t>
+        <a:bodyPr/>
+        <a:lstStyle/>
+        <a:p>
+          <a:endParaRPr lang="zh-TW" altLang="en-US"/>
+        </a:p>
+      </dgm:t>
+    </dgm:pt>
+    <dgm:pt modelId="{9911EDFE-F322-4B02-AF4E-2D119FB2A8C0}">
+      <dgm:prSet phldrT="[文字]"/>
+      <dgm:spPr/>
+      <dgm:t>
+        <a:bodyPr/>
+        <a:lstStyle/>
+        <a:p>
+          <a:r>
+            <a:rPr lang="zh-TW" altLang="en-US" dirty="0" smtClean="0"/>
+            <a:t>鐵觀音</a:t>
+          </a:r>
+          <a:endParaRPr lang="zh-TW" altLang="en-US" dirty="0"/>
+        </a:p>
+      </dgm:t>
+    </dgm:pt>
+    <dgm:pt modelId="{1B75DB9B-35BF-4433-A246-866C2F19D84C}" type="parTrans" cxnId="{7A1C9F24-C653-48F4-8452-344F9B605E6D}">
+      <dgm:prSet/>
+      <dgm:spPr/>
+      <dgm:t>
+        <a:bodyPr/>
+        <a:lstStyle/>
+        <a:p>
+          <a:endParaRPr lang="zh-TW" altLang="en-US"/>
+        </a:p>
+      </dgm:t>
+    </dgm:pt>
+    <dgm:pt modelId="{65C2B48E-8465-400D-B9FE-212BA3DF16F4}" type="sibTrans" cxnId="{7A1C9F24-C653-48F4-8452-344F9B605E6D}">
+      <dgm:prSet/>
+      <dgm:spPr/>
+      <dgm:t>
+        <a:bodyPr/>
+        <a:lstStyle/>
+        <a:p>
+          <a:endParaRPr lang="zh-TW" altLang="en-US"/>
+        </a:p>
+      </dgm:t>
+    </dgm:pt>
+    <dgm:pt modelId="{EF211197-E8E4-44A8-A235-B8E70A0A1768}">
+      <dgm:prSet phldrT="[文字]"/>
+      <dgm:spPr/>
+      <dgm:t>
+        <a:bodyPr/>
+        <a:lstStyle/>
+        <a:p>
+          <a:r>
+            <a:rPr lang="zh-TW" altLang="en-US" dirty="0" smtClean="0"/>
+            <a:t>凍頂烏龍茶</a:t>
+          </a:r>
+          <a:endParaRPr lang="zh-TW" altLang="en-US" dirty="0"/>
+        </a:p>
+      </dgm:t>
+    </dgm:pt>
+    <dgm:pt modelId="{C0B593EB-C4F7-4A5F-809A-CD45958A202F}" type="parTrans" cxnId="{73E868FF-EA97-4C92-B6B3-DE556093F977}">
+      <dgm:prSet/>
+      <dgm:spPr/>
+      <dgm:t>
+        <a:bodyPr/>
+        <a:lstStyle/>
+        <a:p>
+          <a:endParaRPr lang="zh-TW" altLang="en-US"/>
+        </a:p>
+      </dgm:t>
+    </dgm:pt>
+    <dgm:pt modelId="{FA0F74A5-B95B-4C65-90AC-FC5F4BE27415}" type="sibTrans" cxnId="{73E868FF-EA97-4C92-B6B3-DE556093F977}">
+      <dgm:prSet/>
+      <dgm:spPr/>
+      <dgm:t>
+        <a:bodyPr/>
+        <a:lstStyle/>
+        <a:p>
+          <a:endParaRPr lang="zh-TW" altLang="en-US"/>
+        </a:p>
+      </dgm:t>
+    </dgm:pt>
+    <dgm:pt modelId="{982C4F38-EACA-409D-8FF6-FFC0DC8F771B}">
+      <dgm:prSet phldrT="[文字]"/>
+      <dgm:spPr/>
+      <dgm:t>
+        <a:bodyPr/>
+        <a:lstStyle/>
+        <a:p>
+          <a:r>
+            <a:rPr lang="zh-TW" altLang="en-US" dirty="0" smtClean="0"/>
+            <a:t>東方美人茶</a:t>
+          </a:r>
+          <a:endParaRPr lang="zh-TW" altLang="en-US" dirty="0"/>
+        </a:p>
+      </dgm:t>
+    </dgm:pt>
+    <dgm:pt modelId="{B903F09B-EF62-4ECB-84C6-C5853A05B3BE}" type="parTrans" cxnId="{1C71435E-D652-4F5E-AE2E-538D5CAD5ED0}">
+      <dgm:prSet/>
+      <dgm:spPr/>
+      <dgm:t>
+        <a:bodyPr/>
+        <a:lstStyle/>
+        <a:p>
+          <a:endParaRPr lang="zh-TW" altLang="en-US"/>
+        </a:p>
+      </dgm:t>
+    </dgm:pt>
+    <dgm:pt modelId="{023EDDE4-0E24-4A62-AB1F-703AEB990293}" type="sibTrans" cxnId="{1C71435E-D652-4F5E-AE2E-538D5CAD5ED0}">
+      <dgm:prSet/>
+      <dgm:spPr/>
+      <dgm:t>
+        <a:bodyPr/>
+        <a:lstStyle/>
+        <a:p>
+          <a:endParaRPr lang="zh-TW" altLang="en-US"/>
+        </a:p>
+      </dgm:t>
+    </dgm:pt>
     <dgm:pt modelId="{9217682E-729A-46E1-9C4F-EDEF196ED188}">
       <dgm:prSet phldrT="[文字]"/>
       <dgm:spPr/>
@@ -1483,17 +1964,6 @@
         </a:p>
       </dgm:t>
     </dgm:pt>
-    <dgm:pt modelId="{BFE29DB4-3469-49C5-859E-A04481137A63}" type="parTrans" cxnId="{795D7F72-6F99-4B45-8187-F4FAFD8B967C}">
-      <dgm:prSet/>
-      <dgm:spPr/>
-      <dgm:t>
-        <a:bodyPr/>
-        <a:lstStyle/>
-        <a:p>
-          <a:endParaRPr lang="zh-TW" altLang="en-US"/>
-        </a:p>
-      </dgm:t>
-    </dgm:pt>
     <dgm:pt modelId="{F02F9DC6-225A-4A6F-B4CF-B263CFA3399B}" type="sibTrans" cxnId="{795D7F72-6F99-4B45-8187-F4FAFD8B967C}">
       <dgm:prSet/>
       <dgm:spPr/>
@@ -1505,477 +1975,7 @@
         </a:p>
       </dgm:t>
     </dgm:pt>
-    <dgm:pt modelId="{2B6298F8-00B2-4E7E-BA2D-51D1C93F5A88}">
-      <dgm:prSet phldrT="[文字]"/>
-      <dgm:spPr/>
-      <dgm:t>
-        <a:bodyPr/>
-        <a:lstStyle/>
-        <a:p>
-          <a:r>
-            <a:rPr lang="zh-TW" altLang="en-US" dirty="0" smtClean="0"/>
-            <a:t>聯絡我們</a:t>
-          </a:r>
-          <a:endParaRPr lang="zh-TW" altLang="en-US" dirty="0"/>
-        </a:p>
-      </dgm:t>
-    </dgm:pt>
-    <dgm:pt modelId="{6FF11033-C45B-493F-8838-1802BC37DE32}" type="parTrans" cxnId="{5E588EC4-10E1-490E-83D3-6BB07FBA752A}">
-      <dgm:prSet/>
-      <dgm:spPr/>
-      <dgm:t>
-        <a:bodyPr/>
-        <a:lstStyle/>
-        <a:p>
-          <a:endParaRPr lang="zh-TW" altLang="en-US"/>
-        </a:p>
-      </dgm:t>
-    </dgm:pt>
-    <dgm:pt modelId="{20C85699-93A5-4C7B-9137-8F05EB57E143}" type="sibTrans" cxnId="{5E588EC4-10E1-490E-83D3-6BB07FBA752A}">
-      <dgm:prSet/>
-      <dgm:spPr/>
-      <dgm:t>
-        <a:bodyPr/>
-        <a:lstStyle/>
-        <a:p>
-          <a:endParaRPr lang="zh-TW" altLang="en-US"/>
-        </a:p>
-      </dgm:t>
-    </dgm:pt>
-    <dgm:pt modelId="{9C6E0D90-E543-4B79-9E08-59BBE97634B7}">
-      <dgm:prSet phldrT="[文字]"/>
-      <dgm:spPr/>
-      <dgm:t>
-        <a:bodyPr/>
-        <a:lstStyle/>
-        <a:p>
-          <a:r>
-            <a:rPr lang="zh-TW" altLang="en-US" dirty="0" smtClean="0"/>
-            <a:t>錫蘭紅茶</a:t>
-          </a:r>
-          <a:endParaRPr lang="zh-TW" altLang="en-US" dirty="0"/>
-        </a:p>
-      </dgm:t>
-    </dgm:pt>
-    <dgm:pt modelId="{35DF4C5F-B15C-4783-8A07-EEC7210AB4EB}" type="parTrans" cxnId="{C503E2F9-5C3E-4DD9-A0A7-52FD7285ADDF}">
-      <dgm:prSet/>
-      <dgm:spPr/>
-      <dgm:t>
-        <a:bodyPr/>
-        <a:lstStyle/>
-        <a:p>
-          <a:endParaRPr lang="zh-TW" altLang="en-US"/>
-        </a:p>
-      </dgm:t>
-    </dgm:pt>
-    <dgm:pt modelId="{1D51DD7D-4944-4DA5-B8AC-83D76CC5CE56}" type="sibTrans" cxnId="{C503E2F9-5C3E-4DD9-A0A7-52FD7285ADDF}">
-      <dgm:prSet/>
-      <dgm:spPr/>
-      <dgm:t>
-        <a:bodyPr/>
-        <a:lstStyle/>
-        <a:p>
-          <a:endParaRPr lang="zh-TW" altLang="en-US"/>
-        </a:p>
-      </dgm:t>
-    </dgm:pt>
-    <dgm:pt modelId="{4FEE0943-381E-4221-AD39-5349F92CB8AA}">
-      <dgm:prSet phldrT="[文字]"/>
-      <dgm:spPr/>
-      <dgm:t>
-        <a:bodyPr/>
-        <a:lstStyle/>
-        <a:p>
-          <a:r>
-            <a:rPr lang="zh-TW" altLang="en-US" dirty="0" smtClean="0"/>
-            <a:t>阿薩姆紅茶</a:t>
-          </a:r>
-          <a:endParaRPr lang="zh-TW" altLang="en-US" dirty="0"/>
-        </a:p>
-      </dgm:t>
-    </dgm:pt>
-    <dgm:pt modelId="{A0A1C4EC-603F-4A1D-9692-FB5C5006D447}" type="parTrans" cxnId="{BB6A7180-48AF-469F-B1B1-06462EC44872}">
-      <dgm:prSet/>
-      <dgm:spPr/>
-      <dgm:t>
-        <a:bodyPr/>
-        <a:lstStyle/>
-        <a:p>
-          <a:endParaRPr lang="zh-TW" altLang="en-US"/>
-        </a:p>
-      </dgm:t>
-    </dgm:pt>
-    <dgm:pt modelId="{C1D8BF1C-8F19-48A3-A9CE-85CE0580C326}" type="sibTrans" cxnId="{BB6A7180-48AF-469F-B1B1-06462EC44872}">
-      <dgm:prSet/>
-      <dgm:spPr/>
-      <dgm:t>
-        <a:bodyPr/>
-        <a:lstStyle/>
-        <a:p>
-          <a:endParaRPr lang="zh-TW" altLang="en-US"/>
-        </a:p>
-      </dgm:t>
-    </dgm:pt>
-    <dgm:pt modelId="{F7C7BFF5-BB30-4452-B1D5-2B880FF80C60}">
-      <dgm:prSet phldrT="[文字]"/>
-      <dgm:spPr/>
-      <dgm:t>
-        <a:bodyPr/>
-        <a:lstStyle/>
-        <a:p>
-          <a:r>
-            <a:rPr lang="zh-TW" altLang="en-US" dirty="0" smtClean="0"/>
-            <a:t>台灣紅茶</a:t>
-          </a:r>
-          <a:endParaRPr lang="zh-TW" altLang="en-US" dirty="0"/>
-        </a:p>
-      </dgm:t>
-    </dgm:pt>
-    <dgm:pt modelId="{C8328707-F304-430F-BCA7-37B3076F439B}" type="parTrans" cxnId="{C3F02840-ACE5-44BC-ACD1-D760CB7B9C67}">
-      <dgm:prSet/>
-      <dgm:spPr/>
-      <dgm:t>
-        <a:bodyPr/>
-        <a:lstStyle/>
-        <a:p>
-          <a:endParaRPr lang="zh-TW" altLang="en-US"/>
-        </a:p>
-      </dgm:t>
-    </dgm:pt>
-    <dgm:pt modelId="{062F3E5B-75B5-4406-9ED9-9436B658D724}" type="sibTrans" cxnId="{C3F02840-ACE5-44BC-ACD1-D760CB7B9C67}">
-      <dgm:prSet/>
-      <dgm:spPr/>
-      <dgm:t>
-        <a:bodyPr/>
-        <a:lstStyle/>
-        <a:p>
-          <a:endParaRPr lang="zh-TW" altLang="en-US"/>
-        </a:p>
-      </dgm:t>
-    </dgm:pt>
-    <dgm:pt modelId="{9AB0FA4E-D2C3-4186-BCF2-2F5C8C857639}">
-      <dgm:prSet phldrT="[文字]"/>
-      <dgm:spPr/>
-      <dgm:t>
-        <a:bodyPr/>
-        <a:lstStyle/>
-        <a:p>
-          <a:r>
-            <a:rPr lang="zh-TW" altLang="en-US" dirty="0" smtClean="0"/>
-            <a:t>大吉嶺茶</a:t>
-          </a:r>
-          <a:endParaRPr lang="zh-TW" altLang="en-US" dirty="0"/>
-        </a:p>
-      </dgm:t>
-    </dgm:pt>
-    <dgm:pt modelId="{8C9CE0E4-2A85-4DA4-81FE-FCA39A56B4CC}" type="parTrans" cxnId="{E2799E9F-3A9F-4864-993F-930682439938}">
-      <dgm:prSet/>
-      <dgm:spPr/>
-      <dgm:t>
-        <a:bodyPr/>
-        <a:lstStyle/>
-        <a:p>
-          <a:endParaRPr lang="zh-TW" altLang="en-US"/>
-        </a:p>
-      </dgm:t>
-    </dgm:pt>
-    <dgm:pt modelId="{237E9555-3065-4D3D-B45B-2F1B8A967525}" type="sibTrans" cxnId="{E2799E9F-3A9F-4864-993F-930682439938}">
-      <dgm:prSet/>
-      <dgm:spPr/>
-      <dgm:t>
-        <a:bodyPr/>
-        <a:lstStyle/>
-        <a:p>
-          <a:endParaRPr lang="zh-TW" altLang="en-US"/>
-        </a:p>
-      </dgm:t>
-    </dgm:pt>
-    <dgm:pt modelId="{00E5D77B-11C4-468D-ADEA-B1F18244A728}">
-      <dgm:prSet phldrT="[文字]"/>
-      <dgm:spPr/>
-      <dgm:t>
-        <a:bodyPr/>
-        <a:lstStyle/>
-        <a:p>
-          <a:r>
-            <a:rPr lang="zh-TW" altLang="en-US" b="0" i="0" dirty="0" smtClean="0"/>
-            <a:t>台灣碧螺春綠茶</a:t>
-          </a:r>
-          <a:endParaRPr lang="zh-TW" altLang="en-US" dirty="0"/>
-        </a:p>
-      </dgm:t>
-    </dgm:pt>
-    <dgm:pt modelId="{48A4F603-21E2-4F86-9954-3606D3B476AC}" type="parTrans" cxnId="{00866A31-837A-4BAC-89D4-9287386D23E4}">
-      <dgm:prSet/>
-      <dgm:spPr/>
-      <dgm:t>
-        <a:bodyPr/>
-        <a:lstStyle/>
-        <a:p>
-          <a:endParaRPr lang="zh-TW" altLang="en-US"/>
-        </a:p>
-      </dgm:t>
-    </dgm:pt>
-    <dgm:pt modelId="{B65CB867-39F2-492A-8D03-47FA03F45AF7}" type="sibTrans" cxnId="{00866A31-837A-4BAC-89D4-9287386D23E4}">
-      <dgm:prSet/>
-      <dgm:spPr/>
-      <dgm:t>
-        <a:bodyPr/>
-        <a:lstStyle/>
-        <a:p>
-          <a:endParaRPr lang="zh-TW" altLang="en-US"/>
-        </a:p>
-      </dgm:t>
-    </dgm:pt>
-    <dgm:pt modelId="{3B97B7D9-39D7-4EAE-9EFB-70C69B45D92F}">
-      <dgm:prSet phldrT="[文字]"/>
-      <dgm:spPr/>
-      <dgm:t>
-        <a:bodyPr/>
-        <a:lstStyle/>
-        <a:p>
-          <a:r>
-            <a:rPr lang="zh-TW" altLang="en-US" b="0" i="0" dirty="0" smtClean="0"/>
-            <a:t>台灣龍井茶</a:t>
-          </a:r>
-          <a:endParaRPr lang="zh-TW" altLang="en-US" dirty="0"/>
-        </a:p>
-      </dgm:t>
-    </dgm:pt>
-    <dgm:pt modelId="{0095431E-541E-4A9E-82FF-3449DCA5E12B}" type="parTrans" cxnId="{7B20453A-E67D-428E-814C-60FA2643EBF8}">
-      <dgm:prSet/>
-      <dgm:spPr/>
-      <dgm:t>
-        <a:bodyPr/>
-        <a:lstStyle/>
-        <a:p>
-          <a:endParaRPr lang="zh-TW" altLang="en-US"/>
-        </a:p>
-      </dgm:t>
-    </dgm:pt>
-    <dgm:pt modelId="{603EA9F4-59AB-48A1-AA74-48B67B95A2E7}" type="sibTrans" cxnId="{7B20453A-E67D-428E-814C-60FA2643EBF8}">
-      <dgm:prSet/>
-      <dgm:spPr/>
-      <dgm:t>
-        <a:bodyPr/>
-        <a:lstStyle/>
-        <a:p>
-          <a:endParaRPr lang="zh-TW" altLang="en-US"/>
-        </a:p>
-      </dgm:t>
-    </dgm:pt>
-    <dgm:pt modelId="{1910C68D-B9AF-43DE-9A9B-64BE4ADEACE7}">
-      <dgm:prSet phldrT="[文字]"/>
-      <dgm:spPr/>
-      <dgm:t>
-        <a:bodyPr/>
-        <a:lstStyle/>
-        <a:p>
-          <a:r>
-            <a:rPr lang="zh-TW" altLang="en-US" b="1" i="0" dirty="0" smtClean="0"/>
-            <a:t>桂平西山茶</a:t>
-          </a:r>
-          <a:endParaRPr lang="zh-TW" altLang="en-US" dirty="0"/>
-        </a:p>
-      </dgm:t>
-    </dgm:pt>
-    <dgm:pt modelId="{6C03A255-7BB0-4175-A915-279FA738048C}" type="parTrans" cxnId="{FC9F6B27-9379-4099-8CB1-BFA4C53A64A0}">
-      <dgm:prSet/>
-      <dgm:spPr/>
-      <dgm:t>
-        <a:bodyPr/>
-        <a:lstStyle/>
-        <a:p>
-          <a:endParaRPr lang="zh-TW" altLang="en-US"/>
-        </a:p>
-      </dgm:t>
-    </dgm:pt>
-    <dgm:pt modelId="{1D3C4F31-B942-40A4-87E7-A77144CA3062}" type="sibTrans" cxnId="{FC9F6B27-9379-4099-8CB1-BFA4C53A64A0}">
-      <dgm:prSet/>
-      <dgm:spPr/>
-      <dgm:t>
-        <a:bodyPr/>
-        <a:lstStyle/>
-        <a:p>
-          <a:endParaRPr lang="zh-TW" altLang="en-US"/>
-        </a:p>
-      </dgm:t>
-    </dgm:pt>
-    <dgm:pt modelId="{BC757677-C2FA-4E82-8D55-EDF022253A81}">
-      <dgm:prSet phldrT="[文字]"/>
-      <dgm:spPr/>
-      <dgm:t>
-        <a:bodyPr/>
-        <a:lstStyle/>
-        <a:p>
-          <a:r>
-            <a:rPr lang="zh-TW" altLang="en-US" b="1" i="0" smtClean="0"/>
-            <a:t>午子仙毫茶</a:t>
-          </a:r>
-          <a:endParaRPr lang="zh-TW" altLang="en-US" dirty="0"/>
-        </a:p>
-      </dgm:t>
-    </dgm:pt>
-    <dgm:pt modelId="{5A2D632A-8FBF-416A-AD66-E4C67CD599FF}" type="parTrans" cxnId="{F312EB94-6B5D-4E1B-A61B-CC71B604AC28}">
-      <dgm:prSet/>
-      <dgm:spPr/>
-      <dgm:t>
-        <a:bodyPr/>
-        <a:lstStyle/>
-        <a:p>
-          <a:endParaRPr lang="zh-TW" altLang="en-US"/>
-        </a:p>
-      </dgm:t>
-    </dgm:pt>
-    <dgm:pt modelId="{C47CAA35-9F96-4518-AF19-907178D46AE2}" type="sibTrans" cxnId="{F312EB94-6B5D-4E1B-A61B-CC71B604AC28}">
-      <dgm:prSet/>
-      <dgm:spPr/>
-      <dgm:t>
-        <a:bodyPr/>
-        <a:lstStyle/>
-        <a:p>
-          <a:endParaRPr lang="zh-TW" altLang="en-US"/>
-        </a:p>
-      </dgm:t>
-    </dgm:pt>
-    <dgm:pt modelId="{F4ADCF5C-F845-40DB-BABD-CF2BF1AF0D47}">
-      <dgm:prSet phldrT="[文字]"/>
-      <dgm:spPr/>
-      <dgm:t>
-        <a:bodyPr/>
-        <a:lstStyle/>
-        <a:p>
-          <a:r>
-            <a:rPr lang="zh-TW" altLang="en-US" dirty="0" smtClean="0"/>
-            <a:t>大紅袍</a:t>
-          </a:r>
-          <a:endParaRPr lang="zh-TW" altLang="en-US" dirty="0"/>
-        </a:p>
-      </dgm:t>
-    </dgm:pt>
-    <dgm:pt modelId="{8D6E9C47-FF39-47E3-A4A6-725D15DF0A03}" type="parTrans" cxnId="{5C94187B-C6F9-4672-8579-900CD617CE12}">
-      <dgm:prSet/>
-      <dgm:spPr/>
-      <dgm:t>
-        <a:bodyPr/>
-        <a:lstStyle/>
-        <a:p>
-          <a:endParaRPr lang="zh-TW" altLang="en-US"/>
-        </a:p>
-      </dgm:t>
-    </dgm:pt>
-    <dgm:pt modelId="{A0EF142D-6E3F-42C1-8501-6B5223E4B94B}" type="sibTrans" cxnId="{5C94187B-C6F9-4672-8579-900CD617CE12}">
-      <dgm:prSet/>
-      <dgm:spPr/>
-      <dgm:t>
-        <a:bodyPr/>
-        <a:lstStyle/>
-        <a:p>
-          <a:endParaRPr lang="zh-TW" altLang="en-US"/>
-        </a:p>
-      </dgm:t>
-    </dgm:pt>
-    <dgm:pt modelId="{9911EDFE-F322-4B02-AF4E-2D119FB2A8C0}">
-      <dgm:prSet phldrT="[文字]"/>
-      <dgm:spPr/>
-      <dgm:t>
-        <a:bodyPr/>
-        <a:lstStyle/>
-        <a:p>
-          <a:r>
-            <a:rPr lang="zh-TW" altLang="en-US" dirty="0" smtClean="0"/>
-            <a:t>鐵觀音</a:t>
-          </a:r>
-          <a:endParaRPr lang="zh-TW" altLang="en-US" dirty="0"/>
-        </a:p>
-      </dgm:t>
-    </dgm:pt>
-    <dgm:pt modelId="{1B75DB9B-35BF-4433-A246-866C2F19D84C}" type="parTrans" cxnId="{7A1C9F24-C653-48F4-8452-344F9B605E6D}">
-      <dgm:prSet/>
-      <dgm:spPr/>
-      <dgm:t>
-        <a:bodyPr/>
-        <a:lstStyle/>
-        <a:p>
-          <a:endParaRPr lang="zh-TW" altLang="en-US"/>
-        </a:p>
-      </dgm:t>
-    </dgm:pt>
-    <dgm:pt modelId="{65C2B48E-8465-400D-B9FE-212BA3DF16F4}" type="sibTrans" cxnId="{7A1C9F24-C653-48F4-8452-344F9B605E6D}">
-      <dgm:prSet/>
-      <dgm:spPr/>
-      <dgm:t>
-        <a:bodyPr/>
-        <a:lstStyle/>
-        <a:p>
-          <a:endParaRPr lang="zh-TW" altLang="en-US"/>
-        </a:p>
-      </dgm:t>
-    </dgm:pt>
-    <dgm:pt modelId="{EF211197-E8E4-44A8-A235-B8E70A0A1768}">
-      <dgm:prSet phldrT="[文字]"/>
-      <dgm:spPr/>
-      <dgm:t>
-        <a:bodyPr/>
-        <a:lstStyle/>
-        <a:p>
-          <a:r>
-            <a:rPr lang="zh-TW" altLang="en-US" dirty="0" smtClean="0"/>
-            <a:t>凍頂烏龍茶</a:t>
-          </a:r>
-          <a:endParaRPr lang="zh-TW" altLang="en-US" dirty="0"/>
-        </a:p>
-      </dgm:t>
-    </dgm:pt>
-    <dgm:pt modelId="{C0B593EB-C4F7-4A5F-809A-CD45958A202F}" type="parTrans" cxnId="{73E868FF-EA97-4C92-B6B3-DE556093F977}">
-      <dgm:prSet/>
-      <dgm:spPr/>
-      <dgm:t>
-        <a:bodyPr/>
-        <a:lstStyle/>
-        <a:p>
-          <a:endParaRPr lang="zh-TW" altLang="en-US"/>
-        </a:p>
-      </dgm:t>
-    </dgm:pt>
-    <dgm:pt modelId="{FA0F74A5-B95B-4C65-90AC-FC5F4BE27415}" type="sibTrans" cxnId="{73E868FF-EA97-4C92-B6B3-DE556093F977}">
-      <dgm:prSet/>
-      <dgm:spPr/>
-      <dgm:t>
-        <a:bodyPr/>
-        <a:lstStyle/>
-        <a:p>
-          <a:endParaRPr lang="zh-TW" altLang="en-US"/>
-        </a:p>
-      </dgm:t>
-    </dgm:pt>
-    <dgm:pt modelId="{982C4F38-EACA-409D-8FF6-FFC0DC8F771B}">
-      <dgm:prSet phldrT="[文字]"/>
-      <dgm:spPr/>
-      <dgm:t>
-        <a:bodyPr/>
-        <a:lstStyle/>
-        <a:p>
-          <a:r>
-            <a:rPr lang="zh-TW" altLang="en-US" dirty="0" smtClean="0"/>
-            <a:t>東方美人茶</a:t>
-          </a:r>
-          <a:endParaRPr lang="zh-TW" altLang="en-US" dirty="0"/>
-        </a:p>
-      </dgm:t>
-    </dgm:pt>
-    <dgm:pt modelId="{B903F09B-EF62-4ECB-84C6-C5853A05B3BE}" type="parTrans" cxnId="{1C71435E-D652-4F5E-AE2E-538D5CAD5ED0}">
-      <dgm:prSet/>
-      <dgm:spPr/>
-      <dgm:t>
-        <a:bodyPr/>
-        <a:lstStyle/>
-        <a:p>
-          <a:endParaRPr lang="zh-TW" altLang="en-US"/>
-        </a:p>
-      </dgm:t>
-    </dgm:pt>
-    <dgm:pt modelId="{023EDDE4-0E24-4A62-AB1F-703AEB990293}" type="sibTrans" cxnId="{1C71435E-D652-4F5E-AE2E-538D5CAD5ED0}">
+    <dgm:pt modelId="{BFE29DB4-3469-49C5-859E-A04481137A63}" type="parTrans" cxnId="{795D7F72-6F99-4B45-8187-F4FAFD8B967C}">
       <dgm:prSet/>
       <dgm:spPr/>
       <dgm:t>
@@ -2043,7 +2043,7 @@
       <dgm:spPr/>
     </dgm:pt>
     <dgm:pt modelId="{24A6B915-D733-4578-90B1-1695A6644B65}" type="pres">
-      <dgm:prSet presAssocID="{BFBD28AA-A507-463C-A163-00F0F2B421B5}" presName="Name19" presStyleLbl="parChTrans1D2" presStyleIdx="0" presStyleCnt="8"/>
+      <dgm:prSet presAssocID="{BFBD28AA-A507-463C-A163-00F0F2B421B5}" presName="Name19" presStyleLbl="parChTrans1D2" presStyleIdx="0" presStyleCnt="7"/>
       <dgm:spPr/>
       <dgm:t>
         <a:bodyPr/>
@@ -2058,7 +2058,7 @@
       <dgm:spPr/>
     </dgm:pt>
     <dgm:pt modelId="{521575AF-2DFE-4CAC-8DBB-8315D51789D6}" type="pres">
-      <dgm:prSet presAssocID="{CD11D99A-240F-46AD-899A-14198E4FCB1F}" presName="level2Shape" presStyleLbl="node2" presStyleIdx="0" presStyleCnt="8" custLinFactNeighborX="73595" custLinFactNeighborY="4014"/>
+      <dgm:prSet presAssocID="{CD11D99A-240F-46AD-899A-14198E4FCB1F}" presName="level2Shape" presStyleLbl="node2" presStyleIdx="0" presStyleCnt="7" custLinFactNeighborX="73595" custLinFactNeighborY="4014"/>
       <dgm:spPr/>
       <dgm:t>
         <a:bodyPr/>
@@ -2073,7 +2073,7 @@
       <dgm:spPr/>
     </dgm:pt>
     <dgm:pt modelId="{99501BC3-DA02-4822-B935-330C2F7F576C}" type="pres">
-      <dgm:prSet presAssocID="{96103F1C-F651-43C4-84FF-CF9F6F0140EB}" presName="Name19" presStyleLbl="parChTrans1D2" presStyleIdx="1" presStyleCnt="8"/>
+      <dgm:prSet presAssocID="{96103F1C-F651-43C4-84FF-CF9F6F0140EB}" presName="Name19" presStyleLbl="parChTrans1D2" presStyleIdx="1" presStyleCnt="7"/>
       <dgm:spPr/>
       <dgm:t>
         <a:bodyPr/>
@@ -2088,7 +2088,7 @@
       <dgm:spPr/>
     </dgm:pt>
     <dgm:pt modelId="{529983EA-3CDA-4B96-828E-2184919C3F68}" type="pres">
-      <dgm:prSet presAssocID="{016C178E-35A5-4475-B858-D6A9263BD114}" presName="level2Shape" presStyleLbl="node2" presStyleIdx="1" presStyleCnt="8" custLinFactNeighborX="73595" custLinFactNeighborY="4014"/>
+      <dgm:prSet presAssocID="{016C178E-35A5-4475-B858-D6A9263BD114}" presName="level2Shape" presStyleLbl="node2" presStyleIdx="1" presStyleCnt="7" custLinFactNeighborX="73595" custLinFactNeighborY="4014"/>
       <dgm:spPr/>
       <dgm:t>
         <a:bodyPr/>
@@ -2103,7 +2103,7 @@
       <dgm:spPr/>
     </dgm:pt>
     <dgm:pt modelId="{84ABA359-D5BF-4461-A5C5-E92E2741FC69}" type="pres">
-      <dgm:prSet presAssocID="{FCF89C45-5FAE-4E65-841F-5480EB3882BE}" presName="Name19" presStyleLbl="parChTrans1D3" presStyleIdx="0" presStyleCnt="8"/>
+      <dgm:prSet presAssocID="{FCF89C45-5FAE-4E65-841F-5480EB3882BE}" presName="Name19" presStyleLbl="parChTrans1D3" presStyleIdx="0" presStyleCnt="9"/>
       <dgm:spPr/>
       <dgm:t>
         <a:bodyPr/>
@@ -2118,7 +2118,7 @@
       <dgm:spPr/>
     </dgm:pt>
     <dgm:pt modelId="{EA450A20-9576-4AB4-8058-6E5AC079CC21}" type="pres">
-      <dgm:prSet presAssocID="{8BAF3DC6-8890-4957-81D5-E75DEA9882B0}" presName="level2Shape" presStyleLbl="node3" presStyleIdx="0" presStyleCnt="8" custLinFactNeighborX="73595" custLinFactNeighborY="4014"/>
+      <dgm:prSet presAssocID="{8BAF3DC6-8890-4957-81D5-E75DEA9882B0}" presName="level2Shape" presStyleLbl="node3" presStyleIdx="0" presStyleCnt="9" custLinFactNeighborX="73595" custLinFactNeighborY="4014"/>
       <dgm:spPr/>
       <dgm:t>
         <a:bodyPr/>
@@ -2133,7 +2133,7 @@
       <dgm:spPr/>
     </dgm:pt>
     <dgm:pt modelId="{1E0D2C76-CE7B-409E-BF75-303F1143765B}" type="pres">
-      <dgm:prSet presAssocID="{F7F24067-EAA6-4BA7-A2AF-40892F1D93FB}" presName="Name19" presStyleLbl="parChTrans1D3" presStyleIdx="1" presStyleCnt="8"/>
+      <dgm:prSet presAssocID="{F7F24067-EAA6-4BA7-A2AF-40892F1D93FB}" presName="Name19" presStyleLbl="parChTrans1D3" presStyleIdx="1" presStyleCnt="9"/>
       <dgm:spPr/>
       <dgm:t>
         <a:bodyPr/>
@@ -2148,7 +2148,7 @@
       <dgm:spPr/>
     </dgm:pt>
     <dgm:pt modelId="{8D989B23-8F64-4CF1-AB67-92E79570F60B}" type="pres">
-      <dgm:prSet presAssocID="{54AB3720-8162-4EBA-B0A0-3969EB0C1827}" presName="level2Shape" presStyleLbl="node3" presStyleIdx="1" presStyleCnt="8" custLinFactNeighborX="73595" custLinFactNeighborY="4014"/>
+      <dgm:prSet presAssocID="{54AB3720-8162-4EBA-B0A0-3969EB0C1827}" presName="level2Shape" presStyleLbl="node3" presStyleIdx="1" presStyleCnt="9" custLinFactNeighborX="73595" custLinFactNeighborY="4014"/>
       <dgm:spPr/>
       <dgm:t>
         <a:bodyPr/>
@@ -2163,7 +2163,7 @@
       <dgm:spPr/>
     </dgm:pt>
     <dgm:pt modelId="{3C81ED55-C80F-46CA-909F-1B1EB3E11703}" type="pres">
-      <dgm:prSet presAssocID="{6B25229B-7E6A-4899-83FC-44650C7A2042}" presName="Name19" presStyleLbl="parChTrans1D3" presStyleIdx="2" presStyleCnt="8"/>
+      <dgm:prSet presAssocID="{6B25229B-7E6A-4899-83FC-44650C7A2042}" presName="Name19" presStyleLbl="parChTrans1D3" presStyleIdx="2" presStyleCnt="9"/>
       <dgm:spPr/>
       <dgm:t>
         <a:bodyPr/>
@@ -2178,7 +2178,7 @@
       <dgm:spPr/>
     </dgm:pt>
     <dgm:pt modelId="{A69CC25C-CADE-4AD1-901E-6D6C39250045}" type="pres">
-      <dgm:prSet presAssocID="{63EF3EBF-4BA7-4018-A1C2-4931FD4E8458}" presName="level2Shape" presStyleLbl="node3" presStyleIdx="2" presStyleCnt="8" custLinFactNeighborX="73595" custLinFactNeighborY="4014"/>
+      <dgm:prSet presAssocID="{63EF3EBF-4BA7-4018-A1C2-4931FD4E8458}" presName="level2Shape" presStyleLbl="node3" presStyleIdx="2" presStyleCnt="9" custLinFactNeighborX="73595" custLinFactNeighborY="4014"/>
       <dgm:spPr/>
       <dgm:t>
         <a:bodyPr/>
@@ -2193,7 +2193,7 @@
       <dgm:spPr/>
     </dgm:pt>
     <dgm:pt modelId="{44EAC2D9-890F-45D2-AF9A-A167380A1730}" type="pres">
-      <dgm:prSet presAssocID="{3F7755B9-3E02-4B8B-82DE-6490F4C21EE8}" presName="Name19" presStyleLbl="parChTrans1D3" presStyleIdx="3" presStyleCnt="8"/>
+      <dgm:prSet presAssocID="{3F7755B9-3E02-4B8B-82DE-6490F4C21EE8}" presName="Name19" presStyleLbl="parChTrans1D3" presStyleIdx="3" presStyleCnt="9"/>
       <dgm:spPr/>
       <dgm:t>
         <a:bodyPr/>
@@ -2208,7 +2208,7 @@
       <dgm:spPr/>
     </dgm:pt>
     <dgm:pt modelId="{598D8DFE-7A5C-4EFD-AD79-426E5FD4A81E}" type="pres">
-      <dgm:prSet presAssocID="{42DACC80-FCF3-4EA0-80A3-051FB3B3DAE2}" presName="level2Shape" presStyleLbl="node3" presStyleIdx="3" presStyleCnt="8" custLinFactNeighborX="73595" custLinFactNeighborY="4014"/>
+      <dgm:prSet presAssocID="{42DACC80-FCF3-4EA0-80A3-051FB3B3DAE2}" presName="level2Shape" presStyleLbl="node3" presStyleIdx="3" presStyleCnt="9" custLinFactNeighborX="73595" custLinFactNeighborY="4014"/>
       <dgm:spPr/>
       <dgm:t>
         <a:bodyPr/>
@@ -2223,7 +2223,7 @@
       <dgm:spPr/>
     </dgm:pt>
     <dgm:pt modelId="{A8A574CA-DC1F-429F-BD11-A42E73825BD2}" type="pres">
-      <dgm:prSet presAssocID="{7FDCBE69-E5BE-4F1A-B416-1492153DE644}" presName="Name19" presStyleLbl="parChTrans1D3" presStyleIdx="4" presStyleCnt="8"/>
+      <dgm:prSet presAssocID="{7FDCBE69-E5BE-4F1A-B416-1492153DE644}" presName="Name19" presStyleLbl="parChTrans1D3" presStyleIdx="4" presStyleCnt="9"/>
       <dgm:spPr/>
       <dgm:t>
         <a:bodyPr/>
@@ -2238,7 +2238,7 @@
       <dgm:spPr/>
     </dgm:pt>
     <dgm:pt modelId="{A55D00A5-0EE5-4C61-A82B-9267634A2774}" type="pres">
-      <dgm:prSet presAssocID="{A3A36EE5-11C9-4E1A-BE87-F57DFCECB4A1}" presName="level2Shape" presStyleLbl="node3" presStyleIdx="4" presStyleCnt="8" custLinFactNeighborX="73595" custLinFactNeighborY="4014"/>
+      <dgm:prSet presAssocID="{A3A36EE5-11C9-4E1A-BE87-F57DFCECB4A1}" presName="level2Shape" presStyleLbl="node3" presStyleIdx="4" presStyleCnt="9" custLinFactNeighborX="73595" custLinFactNeighborY="4014"/>
       <dgm:spPr/>
       <dgm:t>
         <a:bodyPr/>
@@ -2253,7 +2253,7 @@
       <dgm:spPr/>
     </dgm:pt>
     <dgm:pt modelId="{1FC12914-81A3-4B9D-958F-D428C01FEFF3}" type="pres">
-      <dgm:prSet presAssocID="{62D1551F-DACE-45EC-AF55-0A71584387E5}" presName="Name19" presStyleLbl="parChTrans1D2" presStyleIdx="2" presStyleCnt="8"/>
+      <dgm:prSet presAssocID="{62D1551F-DACE-45EC-AF55-0A71584387E5}" presName="Name19" presStyleLbl="parChTrans1D2" presStyleIdx="2" presStyleCnt="7"/>
       <dgm:spPr/>
       <dgm:t>
         <a:bodyPr/>
@@ -2268,7 +2268,7 @@
       <dgm:spPr/>
     </dgm:pt>
     <dgm:pt modelId="{3B15099C-9720-4DE1-B645-D4D38C3353D2}" type="pres">
-      <dgm:prSet presAssocID="{DC2B204E-56B4-404C-ABEC-6D799F0513C0}" presName="level2Shape" presStyleLbl="node2" presStyleIdx="2" presStyleCnt="8" custLinFactX="-29796" custLinFactNeighborX="-100000" custLinFactNeighborY="4014"/>
+      <dgm:prSet presAssocID="{DC2B204E-56B4-404C-ABEC-6D799F0513C0}" presName="level2Shape" presStyleLbl="node2" presStyleIdx="2" presStyleCnt="7" custLinFactX="-29796" custLinFactNeighborX="-100000" custLinFactNeighborY="4014"/>
       <dgm:spPr/>
       <dgm:t>
         <a:bodyPr/>
@@ -2283,7 +2283,7 @@
       <dgm:spPr/>
     </dgm:pt>
     <dgm:pt modelId="{91E0FB83-6CBC-4CDC-8090-EE79FB48B2F4}" type="pres">
-      <dgm:prSet presAssocID="{F4236BAB-992E-4BAA-9162-BCF4C9DACE03}" presName="Name19" presStyleLbl="parChTrans1D3" presStyleIdx="5" presStyleCnt="8"/>
+      <dgm:prSet presAssocID="{F4236BAB-992E-4BAA-9162-BCF4C9DACE03}" presName="Name19" presStyleLbl="parChTrans1D3" presStyleIdx="5" presStyleCnt="9"/>
       <dgm:spPr/>
       <dgm:t>
         <a:bodyPr/>
@@ -2298,7 +2298,7 @@
       <dgm:spPr/>
     </dgm:pt>
     <dgm:pt modelId="{D7B771A5-7737-462C-98DF-92C0AEE0D1E6}" type="pres">
-      <dgm:prSet presAssocID="{03F06CD5-92FE-4DAC-8328-C4CB7737F9D1}" presName="level2Shape" presStyleLbl="node3" presStyleIdx="5" presStyleCnt="8" custLinFactX="-29796" custLinFactNeighborX="-100000" custLinFactNeighborY="4014"/>
+      <dgm:prSet presAssocID="{03F06CD5-92FE-4DAC-8328-C4CB7737F9D1}" presName="level2Shape" presStyleLbl="node3" presStyleIdx="5" presStyleCnt="9" custLinFactX="-29796" custLinFactNeighborX="-100000" custLinFactNeighborY="4014"/>
       <dgm:spPr/>
       <dgm:t>
         <a:bodyPr/>
@@ -2433,7 +2433,7 @@
       <dgm:spPr/>
     </dgm:pt>
     <dgm:pt modelId="{64527C4D-5B48-4981-9F54-3965F911AD55}" type="pres">
-      <dgm:prSet presAssocID="{FE248732-A738-4D0A-8205-DB7B7F8DB7B4}" presName="Name19" presStyleLbl="parChTrans1D3" presStyleIdx="6" presStyleCnt="8"/>
+      <dgm:prSet presAssocID="{FE248732-A738-4D0A-8205-DB7B7F8DB7B4}" presName="Name19" presStyleLbl="parChTrans1D3" presStyleIdx="6" presStyleCnt="9"/>
       <dgm:spPr/>
       <dgm:t>
         <a:bodyPr/>
@@ -2448,7 +2448,7 @@
       <dgm:spPr/>
     </dgm:pt>
     <dgm:pt modelId="{BC8E540E-EF3B-4F35-A70B-BF95488ED02B}" type="pres">
-      <dgm:prSet presAssocID="{92B33F1F-A850-4D59-8524-EBA677E511D4}" presName="level2Shape" presStyleLbl="node3" presStyleIdx="6" presStyleCnt="8" custLinFactX="-29796" custLinFactNeighborX="-100000" custLinFactNeighborY="4014"/>
+      <dgm:prSet presAssocID="{92B33F1F-A850-4D59-8524-EBA677E511D4}" presName="level2Shape" presStyleLbl="node3" presStyleIdx="6" presStyleCnt="9" custLinFactX="-29796" custLinFactNeighborX="-100000" custLinFactNeighborY="4014"/>
       <dgm:spPr/>
       <dgm:t>
         <a:bodyPr/>
@@ -2583,7 +2583,7 @@
       <dgm:spPr/>
     </dgm:pt>
     <dgm:pt modelId="{27317EB8-F236-4991-BD6B-EB8620955F05}" type="pres">
-      <dgm:prSet presAssocID="{497583B2-FE52-48CF-AE02-AD669170E9C1}" presName="Name19" presStyleLbl="parChTrans1D3" presStyleIdx="7" presStyleCnt="8"/>
+      <dgm:prSet presAssocID="{497583B2-FE52-48CF-AE02-AD669170E9C1}" presName="Name19" presStyleLbl="parChTrans1D3" presStyleIdx="7" presStyleCnt="9"/>
       <dgm:spPr/>
       <dgm:t>
         <a:bodyPr/>
@@ -2598,7 +2598,7 @@
       <dgm:spPr/>
     </dgm:pt>
     <dgm:pt modelId="{4FE42B40-A6D8-4F7D-95DA-740551793E2B}" type="pres">
-      <dgm:prSet presAssocID="{78AD425D-BAF2-4940-A58A-5EDDAD4B9009}" presName="level2Shape" presStyleLbl="node3" presStyleIdx="7" presStyleCnt="8" custLinFactX="-29796" custLinFactNeighborX="-100000" custLinFactNeighborY="4014"/>
+      <dgm:prSet presAssocID="{78AD425D-BAF2-4940-A58A-5EDDAD4B9009}" presName="level2Shape" presStyleLbl="node3" presStyleIdx="7" presStyleCnt="9" custLinFactX="-29796" custLinFactNeighborX="-100000" custLinFactNeighborY="4014"/>
       <dgm:spPr/>
       <dgm:t>
         <a:bodyPr/>
@@ -2733,7 +2733,7 @@
       <dgm:spPr/>
     </dgm:pt>
     <dgm:pt modelId="{3E0054AC-3627-4DA9-8B3A-A19296DD3766}" type="pres">
-      <dgm:prSet presAssocID="{F2375787-20B8-493F-A496-25692DCCAEDE}" presName="Name19" presStyleLbl="parChTrans1D2" presStyleIdx="3" presStyleCnt="8"/>
+      <dgm:prSet presAssocID="{F2375787-20B8-493F-A496-25692DCCAEDE}" presName="Name19" presStyleLbl="parChTrans1D2" presStyleIdx="3" presStyleCnt="7"/>
       <dgm:spPr/>
       <dgm:t>
         <a:bodyPr/>
@@ -2748,7 +2748,7 @@
       <dgm:spPr/>
     </dgm:pt>
     <dgm:pt modelId="{942D6117-ED2B-425A-966A-A52D1D478802}" type="pres">
-      <dgm:prSet presAssocID="{F3F881DF-0756-4BB3-96A4-63C297F58F23}" presName="level2Shape" presStyleLbl="node2" presStyleIdx="3" presStyleCnt="8" custLinFactNeighborX="-92329" custLinFactNeighborY="2007"/>
+      <dgm:prSet presAssocID="{F3F881DF-0756-4BB3-96A4-63C297F58F23}" presName="level2Shape" presStyleLbl="node2" presStyleIdx="3" presStyleCnt="7" custLinFactNeighborX="-92329" custLinFactNeighborY="2007"/>
       <dgm:spPr/>
       <dgm:t>
         <a:bodyPr/>
@@ -2763,7 +2763,7 @@
       <dgm:spPr/>
     </dgm:pt>
     <dgm:pt modelId="{FCE3F25F-319D-44F9-9EFD-A2FAD4089698}" type="pres">
-      <dgm:prSet presAssocID="{98E1EFDE-8A0A-4C9A-9FE9-59700E3ADE23}" presName="Name19" presStyleLbl="parChTrans1D2" presStyleIdx="4" presStyleCnt="8"/>
+      <dgm:prSet presAssocID="{98E1EFDE-8A0A-4C9A-9FE9-59700E3ADE23}" presName="Name19" presStyleLbl="parChTrans1D2" presStyleIdx="4" presStyleCnt="7"/>
       <dgm:spPr/>
       <dgm:t>
         <a:bodyPr/>
@@ -2778,7 +2778,7 @@
       <dgm:spPr/>
     </dgm:pt>
     <dgm:pt modelId="{7E20AF94-7ED2-478F-8AF6-41A1AC6F766B}" type="pres">
-      <dgm:prSet presAssocID="{440CFDC5-A419-4A49-A076-2954FDF18286}" presName="level2Shape" presStyleLbl="node2" presStyleIdx="4" presStyleCnt="8" custLinFactNeighborX="-92329" custLinFactNeighborY="2007"/>
+      <dgm:prSet presAssocID="{440CFDC5-A419-4A49-A076-2954FDF18286}" presName="level2Shape" presStyleLbl="node2" presStyleIdx="4" presStyleCnt="7" custLinFactNeighborX="-92329" custLinFactNeighborY="2007"/>
       <dgm:spPr/>
       <dgm:t>
         <a:bodyPr/>
@@ -2793,7 +2793,7 @@
       <dgm:spPr/>
     </dgm:pt>
     <dgm:pt modelId="{7B9144A5-43F5-4BB7-9876-593E69F8CD4A}" type="pres">
-      <dgm:prSet presAssocID="{41DFD67B-10E2-4A75-BA02-A120D551530B}" presName="Name19" presStyleLbl="parChTrans1D2" presStyleIdx="5" presStyleCnt="8"/>
+      <dgm:prSet presAssocID="{41DFD67B-10E2-4A75-BA02-A120D551530B}" presName="Name19" presStyleLbl="parChTrans1D2" presStyleIdx="5" presStyleCnt="7"/>
       <dgm:spPr/>
       <dgm:t>
         <a:bodyPr/>
@@ -2808,7 +2808,7 @@
       <dgm:spPr/>
     </dgm:pt>
     <dgm:pt modelId="{6F1BB124-721A-424D-BCC4-FCA8891CED5A}" type="pres">
-      <dgm:prSet presAssocID="{F8D2DBE4-691D-44BC-BCD1-FC87066F5E1D}" presName="level2Shape" presStyleLbl="node2" presStyleIdx="5" presStyleCnt="8" custLinFactNeighborX="-92329" custLinFactNeighborY="2007"/>
+      <dgm:prSet presAssocID="{F8D2DBE4-691D-44BC-BCD1-FC87066F5E1D}" presName="level2Shape" presStyleLbl="node2" presStyleIdx="5" presStyleCnt="7" custLinFactNeighborX="-92329" custLinFactNeighborY="2007"/>
       <dgm:spPr/>
       <dgm:t>
         <a:bodyPr/>
@@ -2823,7 +2823,7 @@
       <dgm:spPr/>
     </dgm:pt>
     <dgm:pt modelId="{44BCD8A7-D136-43B1-9451-28DFE51B56CE}" type="pres">
-      <dgm:prSet presAssocID="{BFE29DB4-3469-49C5-859E-A04481137A63}" presName="Name19" presStyleLbl="parChTrans1D2" presStyleIdx="6" presStyleCnt="8"/>
+      <dgm:prSet presAssocID="{BFE29DB4-3469-49C5-859E-A04481137A63}" presName="Name19" presStyleLbl="parChTrans1D3" presStyleIdx="8" presStyleCnt="9"/>
       <dgm:spPr/>
       <dgm:t>
         <a:bodyPr/>
@@ -2838,7 +2838,7 @@
       <dgm:spPr/>
     </dgm:pt>
     <dgm:pt modelId="{2A654FB5-768E-4929-B3C5-0ECA9320A03B}" type="pres">
-      <dgm:prSet presAssocID="{9217682E-729A-46E1-9C4F-EDEF196ED188}" presName="level2Shape" presStyleLbl="node2" presStyleIdx="6" presStyleCnt="8" custLinFactNeighborX="-92329" custLinFactNeighborY="2007"/>
+      <dgm:prSet presAssocID="{9217682E-729A-46E1-9C4F-EDEF196ED188}" presName="level2Shape" presStyleLbl="node3" presStyleIdx="8" presStyleCnt="9" custLinFactNeighborX="-92329" custLinFactNeighborY="2007"/>
       <dgm:spPr/>
       <dgm:t>
         <a:bodyPr/>
@@ -2853,7 +2853,7 @@
       <dgm:spPr/>
     </dgm:pt>
     <dgm:pt modelId="{12814E32-2A46-4FAE-A322-03D0B124A3D9}" type="pres">
-      <dgm:prSet presAssocID="{6FF11033-C45B-493F-8838-1802BC37DE32}" presName="Name19" presStyleLbl="parChTrans1D2" presStyleIdx="7" presStyleCnt="8"/>
+      <dgm:prSet presAssocID="{6FF11033-C45B-493F-8838-1802BC37DE32}" presName="Name19" presStyleLbl="parChTrans1D2" presStyleIdx="6" presStyleCnt="7"/>
       <dgm:spPr/>
       <dgm:t>
         <a:bodyPr/>
@@ -2868,7 +2868,7 @@
       <dgm:spPr/>
     </dgm:pt>
     <dgm:pt modelId="{49FA0613-2F48-480C-BEF9-808688CF1A90}" type="pres">
-      <dgm:prSet presAssocID="{2B6298F8-00B2-4E7E-BA2D-51D1C93F5A88}" presName="level2Shape" presStyleLbl="node2" presStyleIdx="7" presStyleCnt="8" custLinFactNeighborX="-92329" custLinFactNeighborY="2007"/>
+      <dgm:prSet presAssocID="{2B6298F8-00B2-4E7E-BA2D-51D1C93F5A88}" presName="level2Shape" presStyleLbl="node2" presStyleIdx="6" presStyleCnt="7" custLinFactNeighborX="-92329" custLinFactNeighborY="2007"/>
       <dgm:spPr/>
       <dgm:t>
         <a:bodyPr/>
@@ -2903,6 +2903,7 @@
     <dgm:cxn modelId="{D6DC0FB0-28CB-4FF4-BD17-A023882937E8}" type="presOf" srcId="{FE248732-A738-4D0A-8205-DB7B7F8DB7B4}" destId="{64527C4D-5B48-4981-9F54-3965F911AD55}" srcOrd="0" destOrd="0" presId="urn:microsoft.com/office/officeart/2005/8/layout/hierarchy6"/>
     <dgm:cxn modelId="{4F0A9064-F081-4D0A-950B-215559F60154}" srcId="{2F3648F2-560C-4F3F-B863-0861171A00A4}" destId="{CD11D99A-240F-46AD-899A-14198E4FCB1F}" srcOrd="0" destOrd="0" parTransId="{BFBD28AA-A507-463C-A163-00F0F2B421B5}" sibTransId="{5E550AA8-2F80-4135-8798-C8B73BC4B3CC}"/>
     <dgm:cxn modelId="{7A1C9F24-C653-48F4-8452-344F9B605E6D}" srcId="{78AD425D-BAF2-4940-A58A-5EDDAD4B9009}" destId="{9911EDFE-F322-4B02-AF4E-2D119FB2A8C0}" srcOrd="1" destOrd="0" parTransId="{1B75DB9B-35BF-4433-A246-866C2F19D84C}" sibTransId="{65C2B48E-8465-400D-B9FE-212BA3DF16F4}"/>
+    <dgm:cxn modelId="{550CF83F-98F0-4CC2-9CBA-1CAAA3E2DD3E}" type="presOf" srcId="{9217682E-729A-46E1-9C4F-EDEF196ED188}" destId="{2A654FB5-768E-4929-B3C5-0ECA9320A03B}" srcOrd="0" destOrd="0" presId="urn:microsoft.com/office/officeart/2005/8/layout/hierarchy6"/>
     <dgm:cxn modelId="{31A2F708-3417-422A-A76F-4BFFBAD6D2F0}" type="presOf" srcId="{A0A1C4EC-603F-4A1D-9692-FB5C5006D447}" destId="{F8E01F7C-6864-4A76-8DBB-07EEB7C445AE}" srcOrd="0" destOrd="0" presId="urn:microsoft.com/office/officeart/2005/8/layout/hierarchy6"/>
     <dgm:cxn modelId="{5C94187B-C6F9-4672-8579-900CD617CE12}" srcId="{78AD425D-BAF2-4940-A58A-5EDDAD4B9009}" destId="{F4ADCF5C-F845-40DB-BABD-CF2BF1AF0D47}" srcOrd="0" destOrd="0" parTransId="{8D6E9C47-FF39-47E3-A4A6-725D15DF0A03}" sibTransId="{A0EF142D-6E3F-42C1-8501-6B5223E4B94B}"/>
     <dgm:cxn modelId="{F0178815-4F96-435C-848E-C0DA7B49AC81}" type="presOf" srcId="{F4ADCF5C-F845-40DB-BABD-CF2BF1AF0D47}" destId="{EF89DB72-9D86-4A01-A55C-04AB35F12BB6}" srcOrd="0" destOrd="0" presId="urn:microsoft.com/office/officeart/2005/8/layout/hierarchy6"/>
@@ -2915,7 +2916,7 @@
     <dgm:cxn modelId="{75A72ADE-A488-426D-8414-FC16855281DC}" type="presOf" srcId="{F7F24067-EAA6-4BA7-A2AF-40892F1D93FB}" destId="{1E0D2C76-CE7B-409E-BF75-303F1143765B}" srcOrd="0" destOrd="0" presId="urn:microsoft.com/office/officeart/2005/8/layout/hierarchy6"/>
     <dgm:cxn modelId="{1FBFF942-4C3F-4381-83F2-367FE6879D6E}" type="presOf" srcId="{6B25229B-7E6A-4899-83FC-44650C7A2042}" destId="{3C81ED55-C80F-46CA-909F-1B1EB3E11703}" srcOrd="0" destOrd="0" presId="urn:microsoft.com/office/officeart/2005/8/layout/hierarchy6"/>
     <dgm:cxn modelId="{3295FD7A-FFCE-4F9B-8C07-DD9D1DBBBEB5}" srcId="{016C178E-35A5-4475-B858-D6A9263BD114}" destId="{54AB3720-8162-4EBA-B0A0-3969EB0C1827}" srcOrd="1" destOrd="0" parTransId="{F7F24067-EAA6-4BA7-A2AF-40892F1D93FB}" sibTransId="{2CFA8380-7DA3-4670-B402-2030F74190C6}"/>
-    <dgm:cxn modelId="{5E588EC4-10E1-490E-83D3-6BB07FBA752A}" srcId="{2F3648F2-560C-4F3F-B863-0861171A00A4}" destId="{2B6298F8-00B2-4E7E-BA2D-51D1C93F5A88}" srcOrd="7" destOrd="0" parTransId="{6FF11033-C45B-493F-8838-1802BC37DE32}" sibTransId="{20C85699-93A5-4C7B-9137-8F05EB57E143}"/>
+    <dgm:cxn modelId="{5E588EC4-10E1-490E-83D3-6BB07FBA752A}" srcId="{2F3648F2-560C-4F3F-B863-0861171A00A4}" destId="{2B6298F8-00B2-4E7E-BA2D-51D1C93F5A88}" srcOrd="6" destOrd="0" parTransId="{6FF11033-C45B-493F-8838-1802BC37DE32}" sibTransId="{20C85699-93A5-4C7B-9137-8F05EB57E143}"/>
     <dgm:cxn modelId="{C503E2F9-5C3E-4DD9-A0A7-52FD7285ADDF}" srcId="{03F06CD5-92FE-4DAC-8328-C4CB7737F9D1}" destId="{9C6E0D90-E543-4B79-9E08-59BBE97634B7}" srcOrd="0" destOrd="0" parTransId="{35DF4C5F-B15C-4783-8A07-EEC7210AB4EB}" sibTransId="{1D51DD7D-4944-4DA5-B8AC-83D76CC5CE56}"/>
     <dgm:cxn modelId="{41F810BB-466B-4A9D-AB31-5701B59E3024}" type="presOf" srcId="{6FF11033-C45B-493F-8838-1802BC37DE32}" destId="{12814E32-2A46-4FAE-A322-03D0B124A3D9}" srcOrd="0" destOrd="0" presId="urn:microsoft.com/office/officeart/2005/8/layout/hierarchy6"/>
     <dgm:cxn modelId="{C40418DB-5C91-48B2-BE64-95A335EDB6BC}" type="presOf" srcId="{497583B2-FE52-48CF-AE02-AD669170E9C1}" destId="{27317EB8-F236-4991-BD6B-EB8620955F05}" srcOrd="0" destOrd="0" presId="urn:microsoft.com/office/officeart/2005/8/layout/hierarchy6"/>
@@ -2930,8 +2931,7 @@
     <dgm:cxn modelId="{4535FA0D-85B0-49BD-A541-0B38995D0019}" srcId="{2F3648F2-560C-4F3F-B863-0861171A00A4}" destId="{F8D2DBE4-691D-44BC-BCD1-FC87066F5E1D}" srcOrd="5" destOrd="0" parTransId="{41DFD67B-10E2-4A75-BA02-A120D551530B}" sibTransId="{358B28D2-A849-48CC-806D-AAF26F204EE3}"/>
     <dgm:cxn modelId="{8EE578EB-0997-4844-A6DD-1058E5E7DCCD}" type="presOf" srcId="{C8328707-F304-430F-BCA7-37B3076F439B}" destId="{98C9A9BB-99DB-4C0A-AA26-A718B5D6C0EE}" srcOrd="0" destOrd="0" presId="urn:microsoft.com/office/officeart/2005/8/layout/hierarchy6"/>
     <dgm:cxn modelId="{E2799E9F-3A9F-4864-993F-930682439938}" srcId="{03F06CD5-92FE-4DAC-8328-C4CB7737F9D1}" destId="{9AB0FA4E-D2C3-4186-BCF2-2F5C8C857639}" srcOrd="3" destOrd="0" parTransId="{8C9CE0E4-2A85-4DA4-81FE-FCA39A56B4CC}" sibTransId="{237E9555-3065-4D3D-B45B-2F1B8A967525}"/>
-    <dgm:cxn modelId="{795D7F72-6F99-4B45-8187-F4FAFD8B967C}" srcId="{2F3648F2-560C-4F3F-B863-0861171A00A4}" destId="{9217682E-729A-46E1-9C4F-EDEF196ED188}" srcOrd="6" destOrd="0" parTransId="{BFE29DB4-3469-49C5-859E-A04481137A63}" sibTransId="{F02F9DC6-225A-4A6F-B4CF-B263CFA3399B}"/>
-    <dgm:cxn modelId="{135EB749-FB96-4BE8-96CA-DC4A36748C7E}" type="presOf" srcId="{BFE29DB4-3469-49C5-859E-A04481137A63}" destId="{44BCD8A7-D136-43B1-9451-28DFE51B56CE}" srcOrd="0" destOrd="0" presId="urn:microsoft.com/office/officeart/2005/8/layout/hierarchy6"/>
+    <dgm:cxn modelId="{795D7F72-6F99-4B45-8187-F4FAFD8B967C}" srcId="{F8D2DBE4-691D-44BC-BCD1-FC87066F5E1D}" destId="{9217682E-729A-46E1-9C4F-EDEF196ED188}" srcOrd="0" destOrd="0" parTransId="{BFE29DB4-3469-49C5-859E-A04481137A63}" sibTransId="{F02F9DC6-225A-4A6F-B4CF-B263CFA3399B}"/>
     <dgm:cxn modelId="{3B2EB9EA-978D-4D79-9988-78B5DCE3B0E3}" srcId="{016C178E-35A5-4475-B858-D6A9263BD114}" destId="{8BAF3DC6-8890-4957-81D5-E75DEA9882B0}" srcOrd="0" destOrd="0" parTransId="{FCF89C45-5FAE-4E65-841F-5480EB3882BE}" sibTransId="{BF4CDEB7-264E-4920-AB25-8C30EEFDD740}"/>
     <dgm:cxn modelId="{B68D7A4B-CDB5-488A-BE4E-747643A568AD}" type="presOf" srcId="{3F7755B9-3E02-4B8B-82DE-6490F4C21EE8}" destId="{44EAC2D9-890F-45D2-AF9A-A167380A1730}" srcOrd="0" destOrd="0" presId="urn:microsoft.com/office/officeart/2005/8/layout/hierarchy6"/>
     <dgm:cxn modelId="{F312EB94-6B5D-4E1B-A61B-CC71B604AC28}" srcId="{92B33F1F-A850-4D59-8524-EBA677E511D4}" destId="{BC757677-C2FA-4E82-8D55-EDF022253A81}" srcOrd="3" destOrd="0" parTransId="{5A2D632A-8FBF-416A-AD66-E4C67CD599FF}" sibTransId="{C47CAA35-9F96-4518-AF19-907178D46AE2}"/>
@@ -2952,6 +2952,7 @@
     <dgm:cxn modelId="{C3F02840-ACE5-44BC-ACD1-D760CB7B9C67}" srcId="{03F06CD5-92FE-4DAC-8328-C4CB7737F9D1}" destId="{F7C7BFF5-BB30-4452-B1D5-2B880FF80C60}" srcOrd="2" destOrd="0" parTransId="{C8328707-F304-430F-BCA7-37B3076F439B}" sibTransId="{062F3E5B-75B5-4406-9ED9-9436B658D724}"/>
     <dgm:cxn modelId="{B42D2331-5C5A-4199-83F0-E248374BD720}" type="presOf" srcId="{41DFD67B-10E2-4A75-BA02-A120D551530B}" destId="{7B9144A5-43F5-4BB7-9876-593E69F8CD4A}" srcOrd="0" destOrd="0" presId="urn:microsoft.com/office/officeart/2005/8/layout/hierarchy6"/>
     <dgm:cxn modelId="{436CEE3C-ED98-460A-A2E2-250AD2253A7B}" type="presOf" srcId="{1910C68D-B9AF-43DE-9A9B-64BE4ADEACE7}" destId="{8D773BE4-CC62-45F8-A6EC-12453D811E6B}" srcOrd="0" destOrd="0" presId="urn:microsoft.com/office/officeart/2005/8/layout/hierarchy6"/>
+    <dgm:cxn modelId="{E8777CB1-EDBB-46E7-9285-E1AA82D6571A}" type="presOf" srcId="{BFE29DB4-3469-49C5-859E-A04481137A63}" destId="{44BCD8A7-D136-43B1-9451-28DFE51B56CE}" srcOrd="0" destOrd="0" presId="urn:microsoft.com/office/officeart/2005/8/layout/hierarchy6"/>
     <dgm:cxn modelId="{B8993337-16D1-4DBE-A5D7-18245617C7FD}" type="presOf" srcId="{F7C7BFF5-BB30-4452-B1D5-2B880FF80C60}" destId="{278A8B5D-A1C9-47C2-9EB8-222EBE93F00B}" srcOrd="0" destOrd="0" presId="urn:microsoft.com/office/officeart/2005/8/layout/hierarchy6"/>
     <dgm:cxn modelId="{92F23B2A-6567-480B-A21A-B689F09CF14E}" type="presOf" srcId="{1B75DB9B-35BF-4433-A246-866C2F19D84C}" destId="{0CAA3385-E482-4293-A1AB-83E5F5995BF8}" srcOrd="0" destOrd="0" presId="urn:microsoft.com/office/officeart/2005/8/layout/hierarchy6"/>
     <dgm:cxn modelId="{097E7338-67F2-493B-AD82-611FE8191486}" srcId="{016C178E-35A5-4475-B858-D6A9263BD114}" destId="{42DACC80-FCF3-4EA0-80A3-051FB3B3DAE2}" srcOrd="3" destOrd="0" parTransId="{3F7755B9-3E02-4B8B-82DE-6490F4C21EE8}" sibTransId="{49628E4C-3C38-45F7-9C61-3B51622D93AD}"/>
@@ -2965,7 +2966,6 @@
     <dgm:cxn modelId="{93FFBF14-7850-4820-A4BB-E6EE6F14C006}" type="presOf" srcId="{C0B593EB-C4F7-4A5F-809A-CD45958A202F}" destId="{F794E468-173F-4A1B-B14B-860203EBA7CC}" srcOrd="0" destOrd="0" presId="urn:microsoft.com/office/officeart/2005/8/layout/hierarchy6"/>
     <dgm:cxn modelId="{6BF7F7C6-D2F4-4031-9475-94B004E20A77}" srcId="{DC2B204E-56B4-404C-ABEC-6D799F0513C0}" destId="{03F06CD5-92FE-4DAC-8328-C4CB7737F9D1}" srcOrd="0" destOrd="0" parTransId="{F4236BAB-992E-4BAA-9162-BCF4C9DACE03}" sibTransId="{E6EB166D-6162-4BA6-B904-A5BD5331BC5C}"/>
     <dgm:cxn modelId="{5CA6EBB7-88C4-4F32-BECB-D61C9F91509D}" srcId="{DC2B204E-56B4-404C-ABEC-6D799F0513C0}" destId="{92B33F1F-A850-4D59-8524-EBA677E511D4}" srcOrd="1" destOrd="0" parTransId="{FE248732-A738-4D0A-8205-DB7B7F8DB7B4}" sibTransId="{642EDE0F-3CF3-489C-BCA1-918C70E045C6}"/>
-    <dgm:cxn modelId="{44572019-13ED-497D-B0F4-FC31642D8FE2}" type="presOf" srcId="{9217682E-729A-46E1-9C4F-EDEF196ED188}" destId="{2A654FB5-768E-4929-B3C5-0ECA9320A03B}" srcOrd="0" destOrd="0" presId="urn:microsoft.com/office/officeart/2005/8/layout/hierarchy6"/>
     <dgm:cxn modelId="{EBE67A3A-F226-428A-9366-1663884DD21C}" type="presOf" srcId="{3B97B7D9-39D7-4EAE-9EFB-70C69B45D92F}" destId="{0BC5B5CC-5561-4E97-BB4A-90C6D4BF2021}" srcOrd="0" destOrd="0" presId="urn:microsoft.com/office/officeart/2005/8/layout/hierarchy6"/>
     <dgm:cxn modelId="{F19360B9-6777-4B58-8230-3F3C3A7616C0}" type="presOf" srcId="{8D6E9C47-FF39-47E3-A4A6-725D15DF0A03}" destId="{0FA85190-5006-4333-8FA7-0F06EBC865A3}" srcOrd="0" destOrd="0" presId="urn:microsoft.com/office/officeart/2005/8/layout/hierarchy6"/>
     <dgm:cxn modelId="{5BB21697-A16C-474D-B7D5-6FB66FB3F0B1}" type="presOf" srcId="{5A2D632A-8FBF-416A-AD66-E4C67CD599FF}" destId="{F5F5ADE8-B65B-40B0-BC8C-B2D7C64B0871}" srcOrd="0" destOrd="0" presId="urn:microsoft.com/office/officeart/2005/8/layout/hierarchy6"/>
@@ -3084,12 +3084,12 @@
     <dgm:cxn modelId="{8233518B-4822-4B10-8996-C807CC8DC330}" type="presParOf" srcId="{A10926E3-A656-4073-A15D-8AA1F8999ABB}" destId="{22BEBCA0-D4E3-4CB3-807C-2391ABEF9971}" srcOrd="11" destOrd="0" presId="urn:microsoft.com/office/officeart/2005/8/layout/hierarchy6"/>
     <dgm:cxn modelId="{EE50683B-F615-4F92-97E6-68A48C9C4BE1}" type="presParOf" srcId="{22BEBCA0-D4E3-4CB3-807C-2391ABEF9971}" destId="{6F1BB124-721A-424D-BCC4-FCA8891CED5A}" srcOrd="0" destOrd="0" presId="urn:microsoft.com/office/officeart/2005/8/layout/hierarchy6"/>
     <dgm:cxn modelId="{5DBCE579-A77B-4FCE-A9F6-912AD2D5A67D}" type="presParOf" srcId="{22BEBCA0-D4E3-4CB3-807C-2391ABEF9971}" destId="{FE10C041-1065-4E69-8B0C-D7C85791BCD7}" srcOrd="1" destOrd="0" presId="urn:microsoft.com/office/officeart/2005/8/layout/hierarchy6"/>
-    <dgm:cxn modelId="{80BFB2DC-1AB4-437A-9D3F-EFC28B2A5EEA}" type="presParOf" srcId="{A10926E3-A656-4073-A15D-8AA1F8999ABB}" destId="{44BCD8A7-D136-43B1-9451-28DFE51B56CE}" srcOrd="12" destOrd="0" presId="urn:microsoft.com/office/officeart/2005/8/layout/hierarchy6"/>
-    <dgm:cxn modelId="{C1735211-160D-4857-87DF-17BF933364CB}" type="presParOf" srcId="{A10926E3-A656-4073-A15D-8AA1F8999ABB}" destId="{C0D558CB-AC00-4904-99D5-CFDF914474CF}" srcOrd="13" destOrd="0" presId="urn:microsoft.com/office/officeart/2005/8/layout/hierarchy6"/>
-    <dgm:cxn modelId="{B376409A-1165-4E32-9A5B-C9D3599D60A9}" type="presParOf" srcId="{C0D558CB-AC00-4904-99D5-CFDF914474CF}" destId="{2A654FB5-768E-4929-B3C5-0ECA9320A03B}" srcOrd="0" destOrd="0" presId="urn:microsoft.com/office/officeart/2005/8/layout/hierarchy6"/>
-    <dgm:cxn modelId="{F161C4C1-6AF2-4150-8659-D33FDAB2F204}" type="presParOf" srcId="{C0D558CB-AC00-4904-99D5-CFDF914474CF}" destId="{01C40A7A-9A1C-4833-A08C-E7E27B193413}" srcOrd="1" destOrd="0" presId="urn:microsoft.com/office/officeart/2005/8/layout/hierarchy6"/>
-    <dgm:cxn modelId="{1D112917-CAA8-41ED-AA58-FA3A3EA29C1D}" type="presParOf" srcId="{A10926E3-A656-4073-A15D-8AA1F8999ABB}" destId="{12814E32-2A46-4FAE-A322-03D0B124A3D9}" srcOrd="14" destOrd="0" presId="urn:microsoft.com/office/officeart/2005/8/layout/hierarchy6"/>
-    <dgm:cxn modelId="{FDCA8011-25F7-4C28-B728-3D0AD8D3A40F}" type="presParOf" srcId="{A10926E3-A656-4073-A15D-8AA1F8999ABB}" destId="{71B54AA0-0487-4A88-9D16-D2A19C89D4C1}" srcOrd="15" destOrd="0" presId="urn:microsoft.com/office/officeart/2005/8/layout/hierarchy6"/>
+    <dgm:cxn modelId="{42A654E6-ADF7-4F2C-83A2-D54BC6B323AE}" type="presParOf" srcId="{FE10C041-1065-4E69-8B0C-D7C85791BCD7}" destId="{44BCD8A7-D136-43B1-9451-28DFE51B56CE}" srcOrd="0" destOrd="0" presId="urn:microsoft.com/office/officeart/2005/8/layout/hierarchy6"/>
+    <dgm:cxn modelId="{E448108A-63AF-442F-BF89-96A0F07E3906}" type="presParOf" srcId="{FE10C041-1065-4E69-8B0C-D7C85791BCD7}" destId="{C0D558CB-AC00-4904-99D5-CFDF914474CF}" srcOrd="1" destOrd="0" presId="urn:microsoft.com/office/officeart/2005/8/layout/hierarchy6"/>
+    <dgm:cxn modelId="{4E700F3A-EBD4-426F-904B-A60695032E0A}" type="presParOf" srcId="{C0D558CB-AC00-4904-99D5-CFDF914474CF}" destId="{2A654FB5-768E-4929-B3C5-0ECA9320A03B}" srcOrd="0" destOrd="0" presId="urn:microsoft.com/office/officeart/2005/8/layout/hierarchy6"/>
+    <dgm:cxn modelId="{3E86C9FF-4ADB-43C0-9E75-03934C370403}" type="presParOf" srcId="{C0D558CB-AC00-4904-99D5-CFDF914474CF}" destId="{01C40A7A-9A1C-4833-A08C-E7E27B193413}" srcOrd="1" destOrd="0" presId="urn:microsoft.com/office/officeart/2005/8/layout/hierarchy6"/>
+    <dgm:cxn modelId="{1D112917-CAA8-41ED-AA58-FA3A3EA29C1D}" type="presParOf" srcId="{A10926E3-A656-4073-A15D-8AA1F8999ABB}" destId="{12814E32-2A46-4FAE-A322-03D0B124A3D9}" srcOrd="12" destOrd="0" presId="urn:microsoft.com/office/officeart/2005/8/layout/hierarchy6"/>
+    <dgm:cxn modelId="{FDCA8011-25F7-4C28-B728-3D0AD8D3A40F}" type="presParOf" srcId="{A10926E3-A656-4073-A15D-8AA1F8999ABB}" destId="{71B54AA0-0487-4A88-9D16-D2A19C89D4C1}" srcOrd="13" destOrd="0" presId="urn:microsoft.com/office/officeart/2005/8/layout/hierarchy6"/>
     <dgm:cxn modelId="{ABA7EBFE-F473-4EF7-8E01-FB125ECA13A8}" type="presParOf" srcId="{71B54AA0-0487-4A88-9D16-D2A19C89D4C1}" destId="{49FA0613-2F48-480C-BEF9-808688CF1A90}" srcOrd="0" destOrd="0" presId="urn:microsoft.com/office/officeart/2005/8/layout/hierarchy6"/>
     <dgm:cxn modelId="{317D30CB-544F-4698-A0D5-288D08F3FB33}" type="presParOf" srcId="{71B54AA0-0487-4A88-9D16-D2A19C89D4C1}" destId="{5930AB72-E628-4AE8-8973-7955CE5824D1}" srcOrd="1" destOrd="0" presId="urn:microsoft.com/office/officeart/2005/8/layout/hierarchy6"/>
     <dgm:cxn modelId="{8C6E333B-07A3-4294-9BC4-6C689C678D87}" type="presParOf" srcId="{A4C5D705-0142-43D4-B398-A7D2B4DCC67A}" destId="{F3F89EC2-A78D-4109-A60F-848C9B9CAF4D}" srcOrd="1" destOrd="0" presId="urn:microsoft.com/office/officeart/2005/8/layout/hierarchy6"/>
@@ -3119,8 +3119,8 @@
       </dsp:nvSpPr>
       <dsp:spPr>
         <a:xfrm>
-          <a:off x="6409486" y="2444509"/>
-          <a:ext cx="558849" cy="372566"/>
+          <a:off x="6576608" y="2472447"/>
+          <a:ext cx="542478" cy="361652"/>
         </a:xfrm>
         <a:prstGeom prst="roundRect">
           <a:avLst>
@@ -3164,12 +3164,12 @@
         </a:fontRef>
       </dsp:style>
       <dsp:txBody>
-        <a:bodyPr spcFirstLastPara="0" vert="horz" wrap="square" lIns="34290" tIns="34290" rIns="34290" bIns="34290" numCol="1" spcCol="1270" anchor="ctr" anchorCtr="0">
+        <a:bodyPr spcFirstLastPara="0" vert="horz" wrap="square" lIns="30480" tIns="30480" rIns="30480" bIns="30480" numCol="1" spcCol="1270" anchor="ctr" anchorCtr="0">
           <a:noAutofit/>
         </a:bodyPr>
         <a:lstStyle/>
         <a:p>
-          <a:pPr lvl="0" algn="ctr" defTabSz="400050">
+          <a:pPr lvl="0" algn="ctr" defTabSz="355600">
             <a:lnSpc>
               <a:spcPct val="90000"/>
             </a:lnSpc>
@@ -3181,15 +3181,15 @@
             </a:spcAft>
           </a:pPr>
           <a:r>
-            <a:rPr lang="zh-TW" altLang="en-US" sz="900" kern="1200" smtClean="0"/>
+            <a:rPr lang="zh-TW" altLang="en-US" sz="800" kern="1200" smtClean="0"/>
             <a:t>北科老茶廠</a:t>
           </a:r>
-          <a:endParaRPr lang="zh-TW" altLang="en-US" sz="900" kern="1200" dirty="0"/>
+          <a:endParaRPr lang="zh-TW" altLang="en-US" sz="800" kern="1200" dirty="0"/>
         </a:p>
       </dsp:txBody>
       <dsp:txXfrm>
-        <a:off x="6420398" y="2455421"/>
-        <a:ext cx="537025" cy="350742"/>
+        <a:off x="6587200" y="2483039"/>
+        <a:ext cx="521294" cy="340468"/>
       </dsp:txXfrm>
     </dsp:sp>
     <dsp:sp modelId="{24A6B915-D733-4578-90B1-1695A6644B65}">
@@ -3199,8 +3199,8 @@
       </dsp:nvSpPr>
       <dsp:spPr>
         <a:xfrm>
-          <a:off x="1421753" y="2817075"/>
-          <a:ext cx="5267157" cy="149026"/>
+          <a:off x="1382377" y="2834099"/>
+          <a:ext cx="5465471" cy="144660"/>
         </a:xfrm>
         <a:custGeom>
           <a:avLst/>
@@ -3211,16 +3211,16 @@
           <a:pathLst>
             <a:path>
               <a:moveTo>
-                <a:pt x="5267157" y="0"/>
+                <a:pt x="5465471" y="0"/>
               </a:moveTo>
               <a:lnTo>
-                <a:pt x="5267157" y="74513"/>
+                <a:pt x="5465471" y="72330"/>
               </a:lnTo>
               <a:lnTo>
-                <a:pt x="0" y="74513"/>
+                <a:pt x="0" y="72330"/>
               </a:lnTo>
               <a:lnTo>
-                <a:pt x="0" y="149026"/>
+                <a:pt x="0" y="144660"/>
               </a:lnTo>
             </a:path>
           </a:pathLst>
@@ -3261,8 +3261,8 @@
       </dsp:nvSpPr>
       <dsp:spPr>
         <a:xfrm>
-          <a:off x="1142329" y="2966102"/>
-          <a:ext cx="558849" cy="372566"/>
+          <a:off x="1111137" y="2978760"/>
+          <a:ext cx="542478" cy="361652"/>
         </a:xfrm>
         <a:prstGeom prst="roundRect">
           <a:avLst>
@@ -3306,12 +3306,12 @@
         </a:fontRef>
       </dsp:style>
       <dsp:txBody>
-        <a:bodyPr spcFirstLastPara="0" vert="horz" wrap="square" lIns="34290" tIns="34290" rIns="34290" bIns="34290" numCol="1" spcCol="1270" anchor="ctr" anchorCtr="0">
+        <a:bodyPr spcFirstLastPara="0" vert="horz" wrap="square" lIns="30480" tIns="30480" rIns="30480" bIns="30480" numCol="1" spcCol="1270" anchor="ctr" anchorCtr="0">
           <a:noAutofit/>
         </a:bodyPr>
         <a:lstStyle/>
         <a:p>
-          <a:pPr lvl="0" algn="ctr" defTabSz="400050">
+          <a:pPr lvl="0" algn="ctr" defTabSz="355600">
             <a:lnSpc>
               <a:spcPct val="90000"/>
             </a:lnSpc>
@@ -3323,15 +3323,15 @@
             </a:spcAft>
           </a:pPr>
           <a:r>
-            <a:rPr lang="zh-TW" altLang="en-US" sz="900" kern="1200" dirty="0" smtClean="0"/>
+            <a:rPr lang="zh-TW" altLang="en-US" sz="800" kern="1200" dirty="0" smtClean="0"/>
             <a:t>最新消息</a:t>
           </a:r>
-          <a:endParaRPr lang="zh-TW" altLang="en-US" sz="900" kern="1200" dirty="0"/>
+          <a:endParaRPr lang="zh-TW" altLang="en-US" sz="800" kern="1200" dirty="0"/>
         </a:p>
       </dsp:txBody>
       <dsp:txXfrm>
-        <a:off x="1153241" y="2977014"/>
-        <a:ext cx="537025" cy="350742"/>
+        <a:off x="1121729" y="2989352"/>
+        <a:ext cx="521294" cy="340468"/>
       </dsp:txXfrm>
     </dsp:sp>
     <dsp:sp modelId="{99501BC3-DA02-4822-B935-330C2F7F576C}">
@@ -3341,8 +3341,8 @@
       </dsp:nvSpPr>
       <dsp:spPr>
         <a:xfrm>
-          <a:off x="2148258" y="2817075"/>
-          <a:ext cx="4540653" cy="149026"/>
+          <a:off x="2087599" y="2834099"/>
+          <a:ext cx="4760248" cy="144660"/>
         </a:xfrm>
         <a:custGeom>
           <a:avLst/>
@@ -3353,16 +3353,16 @@
           <a:pathLst>
             <a:path>
               <a:moveTo>
-                <a:pt x="4540653" y="0"/>
+                <a:pt x="4760248" y="0"/>
               </a:moveTo>
               <a:lnTo>
-                <a:pt x="4540653" y="74513"/>
+                <a:pt x="4760248" y="72330"/>
               </a:lnTo>
               <a:lnTo>
-                <a:pt x="0" y="74513"/>
+                <a:pt x="0" y="72330"/>
               </a:lnTo>
               <a:lnTo>
-                <a:pt x="0" y="149026"/>
+                <a:pt x="0" y="144660"/>
               </a:lnTo>
             </a:path>
           </a:pathLst>
@@ -3403,8 +3403,8 @@
       </dsp:nvSpPr>
       <dsp:spPr>
         <a:xfrm>
-          <a:off x="1868833" y="2966102"/>
-          <a:ext cx="558849" cy="372566"/>
+          <a:off x="1816359" y="2978760"/>
+          <a:ext cx="542478" cy="361652"/>
         </a:xfrm>
         <a:prstGeom prst="roundRect">
           <a:avLst>
@@ -3448,12 +3448,12 @@
         </a:fontRef>
       </dsp:style>
       <dsp:txBody>
-        <a:bodyPr spcFirstLastPara="0" vert="horz" wrap="square" lIns="34290" tIns="34290" rIns="34290" bIns="34290" numCol="1" spcCol="1270" anchor="ctr" anchorCtr="0">
+        <a:bodyPr spcFirstLastPara="0" vert="horz" wrap="square" lIns="30480" tIns="30480" rIns="30480" bIns="30480" numCol="1" spcCol="1270" anchor="ctr" anchorCtr="0">
           <a:noAutofit/>
         </a:bodyPr>
         <a:lstStyle/>
         <a:p>
-          <a:pPr lvl="0" algn="ctr" defTabSz="400050">
+          <a:pPr lvl="0" algn="ctr" defTabSz="355600">
             <a:lnSpc>
               <a:spcPct val="90000"/>
             </a:lnSpc>
@@ -3465,15 +3465,15 @@
             </a:spcAft>
           </a:pPr>
           <a:r>
-            <a:rPr lang="zh-TW" altLang="en-US" sz="900" kern="1200" dirty="0" smtClean="0"/>
+            <a:rPr lang="zh-TW" altLang="en-US" sz="800" kern="1200" dirty="0" smtClean="0"/>
             <a:t>茶廠介紹</a:t>
           </a:r>
-          <a:endParaRPr lang="zh-TW" altLang="en-US" sz="900" kern="1200" dirty="0"/>
+          <a:endParaRPr lang="zh-TW" altLang="en-US" sz="800" kern="1200" dirty="0"/>
         </a:p>
       </dsp:txBody>
       <dsp:txXfrm>
-        <a:off x="1879745" y="2977014"/>
-        <a:ext cx="537025" cy="350742"/>
+        <a:off x="1826951" y="2989352"/>
+        <a:ext cx="521294" cy="340468"/>
       </dsp:txXfrm>
     </dsp:sp>
     <dsp:sp modelId="{84ABA359-D5BF-4461-A5C5-E92E2741FC69}">
@@ -3483,8 +3483,8 @@
       </dsp:nvSpPr>
       <dsp:spPr>
         <a:xfrm>
-          <a:off x="695249" y="3338668"/>
-          <a:ext cx="1453008" cy="149026"/>
+          <a:off x="677154" y="3340413"/>
+          <a:ext cx="1410444" cy="144660"/>
         </a:xfrm>
         <a:custGeom>
           <a:avLst/>
@@ -3495,16 +3495,16 @@
           <a:pathLst>
             <a:path>
               <a:moveTo>
-                <a:pt x="1453008" y="0"/>
+                <a:pt x="1410444" y="0"/>
               </a:moveTo>
               <a:lnTo>
-                <a:pt x="1453008" y="74513"/>
+                <a:pt x="1410444" y="72330"/>
               </a:lnTo>
               <a:lnTo>
-                <a:pt x="0" y="74513"/>
+                <a:pt x="0" y="72330"/>
               </a:lnTo>
               <a:lnTo>
-                <a:pt x="0" y="149026"/>
+                <a:pt x="0" y="144660"/>
               </a:lnTo>
             </a:path>
           </a:pathLst>
@@ -3545,8 +3545,8 @@
       </dsp:nvSpPr>
       <dsp:spPr>
         <a:xfrm>
-          <a:off x="415824" y="3487695"/>
-          <a:ext cx="558849" cy="372566"/>
+          <a:off x="405915" y="3485074"/>
+          <a:ext cx="542478" cy="361652"/>
         </a:xfrm>
         <a:prstGeom prst="roundRect">
           <a:avLst>
@@ -3590,12 +3590,12 @@
         </a:fontRef>
       </dsp:style>
       <dsp:txBody>
-        <a:bodyPr spcFirstLastPara="0" vert="horz" wrap="square" lIns="34290" tIns="34290" rIns="34290" bIns="34290" numCol="1" spcCol="1270" anchor="ctr" anchorCtr="0">
+        <a:bodyPr spcFirstLastPara="0" vert="horz" wrap="square" lIns="30480" tIns="30480" rIns="30480" bIns="30480" numCol="1" spcCol="1270" anchor="ctr" anchorCtr="0">
           <a:noAutofit/>
         </a:bodyPr>
         <a:lstStyle/>
         <a:p>
-          <a:pPr lvl="0" algn="ctr" defTabSz="400050">
+          <a:pPr lvl="0" algn="ctr" defTabSz="355600">
             <a:lnSpc>
               <a:spcPct val="90000"/>
             </a:lnSpc>
@@ -3607,15 +3607,15 @@
             </a:spcAft>
           </a:pPr>
           <a:r>
-            <a:rPr lang="zh-TW" altLang="en-US" sz="900" kern="1200" dirty="0" smtClean="0"/>
+            <a:rPr lang="zh-TW" altLang="en-US" sz="800" kern="1200" dirty="0" smtClean="0"/>
             <a:t>老茶廠的故事</a:t>
           </a:r>
-          <a:endParaRPr lang="zh-TW" altLang="en-US" sz="900" kern="1200" dirty="0"/>
+          <a:endParaRPr lang="zh-TW" altLang="en-US" sz="800" kern="1200" dirty="0"/>
         </a:p>
       </dsp:txBody>
       <dsp:txXfrm>
-        <a:off x="426736" y="3498607"/>
-        <a:ext cx="537025" cy="350742"/>
+        <a:off x="416507" y="3495666"/>
+        <a:ext cx="521294" cy="340468"/>
       </dsp:txXfrm>
     </dsp:sp>
     <dsp:sp modelId="{1E0D2C76-CE7B-409E-BF75-303F1143765B}">
@@ -3625,8 +3625,8 @@
       </dsp:nvSpPr>
       <dsp:spPr>
         <a:xfrm>
-          <a:off x="1421753" y="3338668"/>
-          <a:ext cx="726504" cy="149026"/>
+          <a:off x="1382377" y="3340413"/>
+          <a:ext cx="705222" cy="144660"/>
         </a:xfrm>
         <a:custGeom>
           <a:avLst/>
@@ -3637,16 +3637,16 @@
           <a:pathLst>
             <a:path>
               <a:moveTo>
-                <a:pt x="726504" y="0"/>
+                <a:pt x="705222" y="0"/>
               </a:moveTo>
               <a:lnTo>
-                <a:pt x="726504" y="74513"/>
+                <a:pt x="705222" y="72330"/>
               </a:lnTo>
               <a:lnTo>
-                <a:pt x="0" y="74513"/>
+                <a:pt x="0" y="72330"/>
               </a:lnTo>
               <a:lnTo>
-                <a:pt x="0" y="149026"/>
+                <a:pt x="0" y="144660"/>
               </a:lnTo>
             </a:path>
           </a:pathLst>
@@ -3687,8 +3687,8 @@
       </dsp:nvSpPr>
       <dsp:spPr>
         <a:xfrm>
-          <a:off x="1142329" y="3487695"/>
-          <a:ext cx="558849" cy="372566"/>
+          <a:off x="1111137" y="3485074"/>
+          <a:ext cx="542478" cy="361652"/>
         </a:xfrm>
         <a:prstGeom prst="roundRect">
           <a:avLst>
@@ -3732,12 +3732,12 @@
         </a:fontRef>
       </dsp:style>
       <dsp:txBody>
-        <a:bodyPr spcFirstLastPara="0" vert="horz" wrap="square" lIns="34290" tIns="34290" rIns="34290" bIns="34290" numCol="1" spcCol="1270" anchor="ctr" anchorCtr="0">
+        <a:bodyPr spcFirstLastPara="0" vert="horz" wrap="square" lIns="30480" tIns="30480" rIns="30480" bIns="30480" numCol="1" spcCol="1270" anchor="ctr" anchorCtr="0">
           <a:noAutofit/>
         </a:bodyPr>
         <a:lstStyle/>
         <a:p>
-          <a:pPr lvl="0" algn="ctr" defTabSz="400050">
+          <a:pPr lvl="0" algn="ctr" defTabSz="355600">
             <a:lnSpc>
               <a:spcPct val="90000"/>
             </a:lnSpc>
@@ -3749,23 +3749,23 @@
             </a:spcAft>
           </a:pPr>
           <a:r>
-            <a:rPr lang="zh-TW" altLang="en-US" sz="900" kern="1200" dirty="0" smtClean="0"/>
+            <a:rPr lang="zh-TW" altLang="en-US" sz="800" kern="1200" dirty="0" smtClean="0"/>
             <a:t>新</a:t>
           </a:r>
           <a:r>
-            <a:rPr lang="en-US" altLang="zh-TW" sz="900" kern="1200" dirty="0" smtClean="0"/>
+            <a:rPr lang="en-US" altLang="zh-TW" sz="800" kern="1200" dirty="0" smtClean="0"/>
             <a:t>—</a:t>
           </a:r>
           <a:r>
-            <a:rPr lang="zh-TW" altLang="en-US" sz="900" kern="1200" dirty="0" smtClean="0"/>
+            <a:rPr lang="zh-TW" altLang="en-US" sz="800" kern="1200" dirty="0" smtClean="0"/>
             <a:t>茶廠</a:t>
           </a:r>
-          <a:endParaRPr lang="zh-TW" altLang="en-US" sz="900" kern="1200" dirty="0"/>
+          <a:endParaRPr lang="zh-TW" altLang="en-US" sz="800" kern="1200" dirty="0"/>
         </a:p>
       </dsp:txBody>
       <dsp:txXfrm>
-        <a:off x="1153241" y="3498607"/>
-        <a:ext cx="537025" cy="350742"/>
+        <a:off x="1121729" y="3495666"/>
+        <a:ext cx="521294" cy="340468"/>
       </dsp:txXfrm>
     </dsp:sp>
     <dsp:sp modelId="{3C81ED55-C80F-46CA-909F-1B1EB3E11703}">
@@ -3775,8 +3775,8 @@
       </dsp:nvSpPr>
       <dsp:spPr>
         <a:xfrm>
-          <a:off x="2102538" y="3338668"/>
-          <a:ext cx="91440" cy="149026"/>
+          <a:off x="2041879" y="3340413"/>
+          <a:ext cx="91440" cy="144660"/>
         </a:xfrm>
         <a:custGeom>
           <a:avLst/>
@@ -3790,7 +3790,7 @@
                 <a:pt x="45720" y="0"/>
               </a:moveTo>
               <a:lnTo>
-                <a:pt x="45720" y="149026"/>
+                <a:pt x="45720" y="144660"/>
               </a:lnTo>
             </a:path>
           </a:pathLst>
@@ -3831,8 +3831,8 @@
       </dsp:nvSpPr>
       <dsp:spPr>
         <a:xfrm>
-          <a:off x="1868833" y="3487695"/>
-          <a:ext cx="558849" cy="372566"/>
+          <a:off x="1816359" y="3485074"/>
+          <a:ext cx="542478" cy="361652"/>
         </a:xfrm>
         <a:prstGeom prst="roundRect">
           <a:avLst>
@@ -3876,12 +3876,12 @@
         </a:fontRef>
       </dsp:style>
       <dsp:txBody>
-        <a:bodyPr spcFirstLastPara="0" vert="horz" wrap="square" lIns="34290" tIns="34290" rIns="34290" bIns="34290" numCol="1" spcCol="1270" anchor="ctr" anchorCtr="0">
+        <a:bodyPr spcFirstLastPara="0" vert="horz" wrap="square" lIns="30480" tIns="30480" rIns="30480" bIns="30480" numCol="1" spcCol="1270" anchor="ctr" anchorCtr="0">
           <a:noAutofit/>
         </a:bodyPr>
         <a:lstStyle/>
         <a:p>
-          <a:pPr lvl="0" algn="ctr" defTabSz="400050">
+          <a:pPr lvl="0" algn="ctr" defTabSz="355600">
             <a:lnSpc>
               <a:spcPct val="90000"/>
             </a:lnSpc>
@@ -3893,23 +3893,23 @@
             </a:spcAft>
           </a:pPr>
           <a:r>
-            <a:rPr lang="zh-TW" altLang="en-US" sz="900" kern="1200" dirty="0" smtClean="0"/>
+            <a:rPr lang="zh-TW" altLang="en-US" sz="800" kern="1200" dirty="0" smtClean="0"/>
             <a:t>舊</a:t>
           </a:r>
           <a:r>
-            <a:rPr lang="en-US" altLang="zh-TW" sz="900" kern="1200" dirty="0" smtClean="0"/>
+            <a:rPr lang="en-US" altLang="zh-TW" sz="800" kern="1200" dirty="0" smtClean="0"/>
             <a:t>—</a:t>
           </a:r>
           <a:r>
-            <a:rPr lang="zh-TW" altLang="en-US" sz="900" kern="1200" dirty="0" smtClean="0"/>
+            <a:rPr lang="zh-TW" altLang="en-US" sz="800" kern="1200" dirty="0" smtClean="0"/>
             <a:t>茶廠</a:t>
           </a:r>
-          <a:endParaRPr lang="zh-TW" altLang="en-US" sz="900" kern="1200" dirty="0"/>
+          <a:endParaRPr lang="zh-TW" altLang="en-US" sz="800" kern="1200" dirty="0"/>
         </a:p>
       </dsp:txBody>
       <dsp:txXfrm>
-        <a:off x="1879745" y="3498607"/>
-        <a:ext cx="537025" cy="350742"/>
+        <a:off x="1826951" y="3495666"/>
+        <a:ext cx="521294" cy="340468"/>
       </dsp:txXfrm>
     </dsp:sp>
     <dsp:sp modelId="{44EAC2D9-890F-45D2-AF9A-A167380A1730}">
@@ -3919,8 +3919,8 @@
       </dsp:nvSpPr>
       <dsp:spPr>
         <a:xfrm>
-          <a:off x="2148258" y="3338668"/>
-          <a:ext cx="726504" cy="149026"/>
+          <a:off x="2087599" y="3340413"/>
+          <a:ext cx="705222" cy="144660"/>
         </a:xfrm>
         <a:custGeom>
           <a:avLst/>
@@ -3934,13 +3934,13 @@
                 <a:pt x="0" y="0"/>
               </a:moveTo>
               <a:lnTo>
-                <a:pt x="0" y="74513"/>
+                <a:pt x="0" y="72330"/>
               </a:lnTo>
               <a:lnTo>
-                <a:pt x="726504" y="74513"/>
+                <a:pt x="705222" y="72330"/>
               </a:lnTo>
               <a:lnTo>
-                <a:pt x="726504" y="149026"/>
+                <a:pt x="705222" y="144660"/>
               </a:lnTo>
             </a:path>
           </a:pathLst>
@@ -3981,8 +3981,8 @@
       </dsp:nvSpPr>
       <dsp:spPr>
         <a:xfrm>
-          <a:off x="2595338" y="3487695"/>
-          <a:ext cx="558849" cy="372566"/>
+          <a:off x="2521581" y="3485074"/>
+          <a:ext cx="542478" cy="361652"/>
         </a:xfrm>
         <a:prstGeom prst="roundRect">
           <a:avLst>
@@ -4026,12 +4026,12 @@
         </a:fontRef>
       </dsp:style>
       <dsp:txBody>
-        <a:bodyPr spcFirstLastPara="0" vert="horz" wrap="square" lIns="34290" tIns="34290" rIns="34290" bIns="34290" numCol="1" spcCol="1270" anchor="ctr" anchorCtr="0">
+        <a:bodyPr spcFirstLastPara="0" vert="horz" wrap="square" lIns="30480" tIns="30480" rIns="30480" bIns="30480" numCol="1" spcCol="1270" anchor="ctr" anchorCtr="0">
           <a:noAutofit/>
         </a:bodyPr>
         <a:lstStyle/>
         <a:p>
-          <a:pPr lvl="0" algn="ctr" defTabSz="400050">
+          <a:pPr lvl="0" algn="ctr" defTabSz="355600">
             <a:lnSpc>
               <a:spcPct val="90000"/>
             </a:lnSpc>
@@ -4043,15 +4043,15 @@
             </a:spcAft>
           </a:pPr>
           <a:r>
-            <a:rPr lang="zh-TW" altLang="en-US" sz="900" kern="1200" dirty="0" smtClean="0"/>
+            <a:rPr lang="zh-TW" altLang="en-US" sz="800" kern="1200" dirty="0" smtClean="0"/>
             <a:t>茶廠設備</a:t>
           </a:r>
-          <a:endParaRPr lang="zh-TW" altLang="en-US" sz="900" kern="1200" dirty="0"/>
+          <a:endParaRPr lang="zh-TW" altLang="en-US" sz="800" kern="1200" dirty="0"/>
         </a:p>
       </dsp:txBody>
       <dsp:txXfrm>
-        <a:off x="2606250" y="3498607"/>
-        <a:ext cx="537025" cy="350742"/>
+        <a:off x="2532173" y="3495666"/>
+        <a:ext cx="521294" cy="340468"/>
       </dsp:txXfrm>
     </dsp:sp>
     <dsp:sp modelId="{A8A574CA-DC1F-429F-BD11-A42E73825BD2}">
@@ -4061,8 +4061,8 @@
       </dsp:nvSpPr>
       <dsp:spPr>
         <a:xfrm>
-          <a:off x="2148258" y="3338668"/>
-          <a:ext cx="1453008" cy="149026"/>
+          <a:off x="2087599" y="3340413"/>
+          <a:ext cx="1410444" cy="144660"/>
         </a:xfrm>
         <a:custGeom>
           <a:avLst/>
@@ -4076,13 +4076,13 @@
                 <a:pt x="0" y="0"/>
               </a:moveTo>
               <a:lnTo>
-                <a:pt x="0" y="74513"/>
+                <a:pt x="0" y="72330"/>
               </a:lnTo>
               <a:lnTo>
-                <a:pt x="1453008" y="74513"/>
+                <a:pt x="1410444" y="72330"/>
               </a:lnTo>
               <a:lnTo>
-                <a:pt x="1453008" y="149026"/>
+                <a:pt x="1410444" y="144660"/>
               </a:lnTo>
             </a:path>
           </a:pathLst>
@@ -4123,8 +4123,8 @@
       </dsp:nvSpPr>
       <dsp:spPr>
         <a:xfrm>
-          <a:off x="3321842" y="3487695"/>
-          <a:ext cx="558849" cy="372566"/>
+          <a:off x="3226804" y="3485074"/>
+          <a:ext cx="542478" cy="361652"/>
         </a:xfrm>
         <a:prstGeom prst="roundRect">
           <a:avLst>
@@ -4168,12 +4168,12 @@
         </a:fontRef>
       </dsp:style>
       <dsp:txBody>
-        <a:bodyPr spcFirstLastPara="0" vert="horz" wrap="square" lIns="34290" tIns="34290" rIns="34290" bIns="34290" numCol="1" spcCol="1270" anchor="ctr" anchorCtr="0">
+        <a:bodyPr spcFirstLastPara="0" vert="horz" wrap="square" lIns="30480" tIns="30480" rIns="30480" bIns="30480" numCol="1" spcCol="1270" anchor="ctr" anchorCtr="0">
           <a:noAutofit/>
         </a:bodyPr>
         <a:lstStyle/>
         <a:p>
-          <a:pPr lvl="0" algn="ctr" defTabSz="400050">
+          <a:pPr lvl="0" algn="ctr" defTabSz="355600">
             <a:lnSpc>
               <a:spcPct val="90000"/>
             </a:lnSpc>
@@ -4185,15 +4185,15 @@
             </a:spcAft>
           </a:pPr>
           <a:r>
-            <a:rPr lang="zh-TW" altLang="en-US" sz="900" kern="1200" dirty="0" smtClean="0"/>
+            <a:rPr lang="zh-TW" altLang="en-US" sz="800" kern="1200" dirty="0" smtClean="0"/>
             <a:t>製茶設備</a:t>
           </a:r>
-          <a:endParaRPr lang="zh-TW" altLang="en-US" sz="900" kern="1200" dirty="0"/>
+          <a:endParaRPr lang="zh-TW" altLang="en-US" sz="800" kern="1200" dirty="0"/>
         </a:p>
       </dsp:txBody>
       <dsp:txXfrm>
-        <a:off x="3332754" y="3498607"/>
-        <a:ext cx="537025" cy="350742"/>
+        <a:off x="3237396" y="3495666"/>
+        <a:ext cx="521294" cy="340468"/>
       </dsp:txXfrm>
     </dsp:sp>
     <dsp:sp modelId="{1FC12914-81A3-4B9D-958F-D428C01FEFF3}">
@@ -4203,8 +4203,8 @@
       </dsp:nvSpPr>
       <dsp:spPr>
         <a:xfrm>
-          <a:off x="6688911" y="2817075"/>
-          <a:ext cx="497985" cy="149026"/>
+          <a:off x="6847848" y="2834099"/>
+          <a:ext cx="130786" cy="144660"/>
         </a:xfrm>
         <a:custGeom>
           <a:avLst/>
@@ -4218,13 +4218,13 @@
                 <a:pt x="0" y="0"/>
               </a:moveTo>
               <a:lnTo>
-                <a:pt x="0" y="74513"/>
+                <a:pt x="0" y="72330"/>
               </a:lnTo>
               <a:lnTo>
-                <a:pt x="497985" y="74513"/>
+                <a:pt x="130786" y="72330"/>
               </a:lnTo>
               <a:lnTo>
-                <a:pt x="497985" y="149026"/>
+                <a:pt x="130786" y="144660"/>
               </a:lnTo>
             </a:path>
           </a:pathLst>
@@ -4265,8 +4265,8 @@
       </dsp:nvSpPr>
       <dsp:spPr>
         <a:xfrm>
-          <a:off x="6907471" y="2966102"/>
-          <a:ext cx="558849" cy="372566"/>
+          <a:off x="6707394" y="2978760"/>
+          <a:ext cx="542478" cy="361652"/>
         </a:xfrm>
         <a:prstGeom prst="roundRect">
           <a:avLst>
@@ -4310,12 +4310,12 @@
         </a:fontRef>
       </dsp:style>
       <dsp:txBody>
-        <a:bodyPr spcFirstLastPara="0" vert="horz" wrap="square" lIns="34290" tIns="34290" rIns="34290" bIns="34290" numCol="1" spcCol="1270" anchor="ctr" anchorCtr="0">
+        <a:bodyPr spcFirstLastPara="0" vert="horz" wrap="square" lIns="30480" tIns="30480" rIns="30480" bIns="30480" numCol="1" spcCol="1270" anchor="ctr" anchorCtr="0">
           <a:noAutofit/>
         </a:bodyPr>
         <a:lstStyle/>
         <a:p>
-          <a:pPr lvl="0" algn="ctr" defTabSz="400050">
+          <a:pPr lvl="0" algn="ctr" defTabSz="355600">
             <a:lnSpc>
               <a:spcPct val="90000"/>
             </a:lnSpc>
@@ -4327,15 +4327,15 @@
             </a:spcAft>
           </a:pPr>
           <a:r>
-            <a:rPr lang="zh-TW" altLang="en-US" sz="900" kern="1200" dirty="0" smtClean="0"/>
+            <a:rPr lang="zh-TW" altLang="en-US" sz="800" kern="1200" dirty="0" smtClean="0"/>
             <a:t>茶種介紹</a:t>
           </a:r>
-          <a:endParaRPr lang="zh-TW" altLang="en-US" sz="900" kern="1200" dirty="0"/>
+          <a:endParaRPr lang="zh-TW" altLang="en-US" sz="800" kern="1200" dirty="0"/>
         </a:p>
       </dsp:txBody>
       <dsp:txXfrm>
-        <a:off x="6918383" y="2977014"/>
-        <a:ext cx="537025" cy="350742"/>
+        <a:off x="6717986" y="2989352"/>
+        <a:ext cx="521294" cy="340468"/>
       </dsp:txXfrm>
     </dsp:sp>
     <dsp:sp modelId="{91E0FB83-6CBC-4CDC-8090-EE79FB48B2F4}">
@@ -4345,8 +4345,8 @@
       </dsp:nvSpPr>
       <dsp:spPr>
         <a:xfrm>
-          <a:off x="4280878" y="3338668"/>
-          <a:ext cx="2906017" cy="149026"/>
+          <a:off x="4157745" y="3340413"/>
+          <a:ext cx="2820888" cy="144660"/>
         </a:xfrm>
         <a:custGeom>
           <a:avLst/>
@@ -4357,16 +4357,16 @@
           <a:pathLst>
             <a:path>
               <a:moveTo>
-                <a:pt x="2906017" y="0"/>
+                <a:pt x="2820888" y="0"/>
               </a:moveTo>
               <a:lnTo>
-                <a:pt x="2906017" y="74513"/>
+                <a:pt x="2820888" y="72330"/>
               </a:lnTo>
               <a:lnTo>
-                <a:pt x="0" y="74513"/>
+                <a:pt x="0" y="72330"/>
               </a:lnTo>
               <a:lnTo>
-                <a:pt x="0" y="149026"/>
+                <a:pt x="0" y="144660"/>
               </a:lnTo>
             </a:path>
           </a:pathLst>
@@ -4407,8 +4407,8 @@
       </dsp:nvSpPr>
       <dsp:spPr>
         <a:xfrm>
-          <a:off x="4001454" y="3487695"/>
-          <a:ext cx="558849" cy="372566"/>
+          <a:off x="3886506" y="3485074"/>
+          <a:ext cx="542478" cy="361652"/>
         </a:xfrm>
         <a:prstGeom prst="roundRect">
           <a:avLst>
@@ -4452,12 +4452,12 @@
         </a:fontRef>
       </dsp:style>
       <dsp:txBody>
-        <a:bodyPr spcFirstLastPara="0" vert="horz" wrap="square" lIns="34290" tIns="34290" rIns="34290" bIns="34290" numCol="1" spcCol="1270" anchor="ctr" anchorCtr="0">
+        <a:bodyPr spcFirstLastPara="0" vert="horz" wrap="square" lIns="30480" tIns="30480" rIns="30480" bIns="30480" numCol="1" spcCol="1270" anchor="ctr" anchorCtr="0">
           <a:noAutofit/>
         </a:bodyPr>
         <a:lstStyle/>
         <a:p>
-          <a:pPr lvl="0" algn="ctr" defTabSz="400050">
+          <a:pPr lvl="0" algn="ctr" defTabSz="355600">
             <a:lnSpc>
               <a:spcPct val="90000"/>
             </a:lnSpc>
@@ -4469,15 +4469,15 @@
             </a:spcAft>
           </a:pPr>
           <a:r>
-            <a:rPr lang="zh-TW" altLang="en-US" sz="900" kern="1200" dirty="0" smtClean="0"/>
+            <a:rPr lang="zh-TW" altLang="en-US" sz="800" kern="1200" dirty="0" smtClean="0"/>
             <a:t>紅茶</a:t>
           </a:r>
-          <a:endParaRPr lang="zh-TW" altLang="en-US" sz="900" kern="1200" dirty="0"/>
+          <a:endParaRPr lang="zh-TW" altLang="en-US" sz="800" kern="1200" dirty="0"/>
         </a:p>
       </dsp:txBody>
       <dsp:txXfrm>
-        <a:off x="4012366" y="3498607"/>
-        <a:ext cx="537025" cy="350742"/>
+        <a:off x="3897098" y="3495666"/>
+        <a:ext cx="521294" cy="340468"/>
       </dsp:txXfrm>
     </dsp:sp>
     <dsp:sp modelId="{17BCF422-37D6-4D6B-9642-0649B9A405E9}">
@@ -4487,8 +4487,8 @@
       </dsp:nvSpPr>
       <dsp:spPr>
         <a:xfrm>
-          <a:off x="3191122" y="3860261"/>
-          <a:ext cx="1089756" cy="149026"/>
+          <a:off x="3099912" y="3846726"/>
+          <a:ext cx="1057833" cy="144660"/>
         </a:xfrm>
         <a:custGeom>
           <a:avLst/>
@@ -4499,16 +4499,16 @@
           <a:pathLst>
             <a:path>
               <a:moveTo>
-                <a:pt x="1089756" y="0"/>
+                <a:pt x="1057833" y="0"/>
               </a:moveTo>
               <a:lnTo>
-                <a:pt x="1089756" y="74513"/>
+                <a:pt x="1057833" y="72330"/>
               </a:lnTo>
               <a:lnTo>
-                <a:pt x="0" y="74513"/>
+                <a:pt x="0" y="72330"/>
               </a:lnTo>
               <a:lnTo>
-                <a:pt x="0" y="149026"/>
+                <a:pt x="0" y="144660"/>
               </a:lnTo>
             </a:path>
           </a:pathLst>
@@ -4549,8 +4549,8 @@
       </dsp:nvSpPr>
       <dsp:spPr>
         <a:xfrm>
-          <a:off x="2911697" y="4009288"/>
-          <a:ext cx="558849" cy="372566"/>
+          <a:off x="2828673" y="3991387"/>
+          <a:ext cx="542478" cy="361652"/>
         </a:xfrm>
         <a:prstGeom prst="roundRect">
           <a:avLst>
@@ -4594,12 +4594,12 @@
         </a:fontRef>
       </dsp:style>
       <dsp:txBody>
-        <a:bodyPr spcFirstLastPara="0" vert="horz" wrap="square" lIns="34290" tIns="34290" rIns="34290" bIns="34290" numCol="1" spcCol="1270" anchor="ctr" anchorCtr="0">
+        <a:bodyPr spcFirstLastPara="0" vert="horz" wrap="square" lIns="30480" tIns="30480" rIns="30480" bIns="30480" numCol="1" spcCol="1270" anchor="ctr" anchorCtr="0">
           <a:noAutofit/>
         </a:bodyPr>
         <a:lstStyle/>
         <a:p>
-          <a:pPr lvl="0" algn="ctr" defTabSz="400050">
+          <a:pPr lvl="0" algn="ctr" defTabSz="355600">
             <a:lnSpc>
               <a:spcPct val="90000"/>
             </a:lnSpc>
@@ -4611,15 +4611,15 @@
             </a:spcAft>
           </a:pPr>
           <a:r>
-            <a:rPr lang="zh-TW" altLang="en-US" sz="900" kern="1200" dirty="0" smtClean="0"/>
+            <a:rPr lang="zh-TW" altLang="en-US" sz="800" kern="1200" dirty="0" smtClean="0"/>
             <a:t>錫蘭紅茶</a:t>
           </a:r>
-          <a:endParaRPr lang="zh-TW" altLang="en-US" sz="900" kern="1200" dirty="0"/>
+          <a:endParaRPr lang="zh-TW" altLang="en-US" sz="800" kern="1200" dirty="0"/>
         </a:p>
       </dsp:txBody>
       <dsp:txXfrm>
-        <a:off x="2922609" y="4020200"/>
-        <a:ext cx="537025" cy="350742"/>
+        <a:off x="2839265" y="4001979"/>
+        <a:ext cx="521294" cy="340468"/>
       </dsp:txXfrm>
     </dsp:sp>
     <dsp:sp modelId="{F8E01F7C-6864-4A76-8DBB-07EEB7C445AE}">
@@ -4629,8 +4629,8 @@
       </dsp:nvSpPr>
       <dsp:spPr>
         <a:xfrm>
-          <a:off x="3917626" y="3860261"/>
-          <a:ext cx="363252" cy="149026"/>
+          <a:off x="3805134" y="3846726"/>
+          <a:ext cx="352611" cy="144660"/>
         </a:xfrm>
         <a:custGeom>
           <a:avLst/>
@@ -4641,16 +4641,16 @@
           <a:pathLst>
             <a:path>
               <a:moveTo>
-                <a:pt x="363252" y="0"/>
+                <a:pt x="352611" y="0"/>
               </a:moveTo>
               <a:lnTo>
-                <a:pt x="363252" y="74513"/>
+                <a:pt x="352611" y="72330"/>
               </a:lnTo>
               <a:lnTo>
-                <a:pt x="0" y="74513"/>
+                <a:pt x="0" y="72330"/>
               </a:lnTo>
               <a:lnTo>
-                <a:pt x="0" y="149026"/>
+                <a:pt x="0" y="144660"/>
               </a:lnTo>
             </a:path>
           </a:pathLst>
@@ -4691,8 +4691,8 @@
       </dsp:nvSpPr>
       <dsp:spPr>
         <a:xfrm>
-          <a:off x="3638201" y="4009288"/>
-          <a:ext cx="558849" cy="372566"/>
+          <a:off x="3533895" y="3991387"/>
+          <a:ext cx="542478" cy="361652"/>
         </a:xfrm>
         <a:prstGeom prst="roundRect">
           <a:avLst>
@@ -4736,12 +4736,12 @@
         </a:fontRef>
       </dsp:style>
       <dsp:txBody>
-        <a:bodyPr spcFirstLastPara="0" vert="horz" wrap="square" lIns="34290" tIns="34290" rIns="34290" bIns="34290" numCol="1" spcCol="1270" anchor="ctr" anchorCtr="0">
+        <a:bodyPr spcFirstLastPara="0" vert="horz" wrap="square" lIns="30480" tIns="30480" rIns="30480" bIns="30480" numCol="1" spcCol="1270" anchor="ctr" anchorCtr="0">
           <a:noAutofit/>
         </a:bodyPr>
         <a:lstStyle/>
         <a:p>
-          <a:pPr lvl="0" algn="ctr" defTabSz="400050">
+          <a:pPr lvl="0" algn="ctr" defTabSz="355600">
             <a:lnSpc>
               <a:spcPct val="90000"/>
             </a:lnSpc>
@@ -4753,15 +4753,15 @@
             </a:spcAft>
           </a:pPr>
           <a:r>
-            <a:rPr lang="zh-TW" altLang="en-US" sz="900" kern="1200" dirty="0" smtClean="0"/>
+            <a:rPr lang="zh-TW" altLang="en-US" sz="800" kern="1200" dirty="0" smtClean="0"/>
             <a:t>阿薩姆紅茶</a:t>
           </a:r>
-          <a:endParaRPr lang="zh-TW" altLang="en-US" sz="900" kern="1200" dirty="0"/>
+          <a:endParaRPr lang="zh-TW" altLang="en-US" sz="800" kern="1200" dirty="0"/>
         </a:p>
       </dsp:txBody>
       <dsp:txXfrm>
-        <a:off x="3649113" y="4020200"/>
-        <a:ext cx="537025" cy="350742"/>
+        <a:off x="3544487" y="4001979"/>
+        <a:ext cx="521294" cy="340468"/>
       </dsp:txXfrm>
     </dsp:sp>
     <dsp:sp modelId="{98C9A9BB-99DB-4C0A-AA26-A718B5D6C0EE}">
@@ -4771,8 +4771,8 @@
       </dsp:nvSpPr>
       <dsp:spPr>
         <a:xfrm>
-          <a:off x="4280878" y="3860261"/>
-          <a:ext cx="363252" cy="149026"/>
+          <a:off x="4157745" y="3846726"/>
+          <a:ext cx="352611" cy="144660"/>
         </a:xfrm>
         <a:custGeom>
           <a:avLst/>
@@ -4786,13 +4786,13 @@
                 <a:pt x="0" y="0"/>
               </a:moveTo>
               <a:lnTo>
-                <a:pt x="0" y="74513"/>
+                <a:pt x="0" y="72330"/>
               </a:lnTo>
               <a:lnTo>
-                <a:pt x="363252" y="74513"/>
+                <a:pt x="352611" y="72330"/>
               </a:lnTo>
               <a:lnTo>
-                <a:pt x="363252" y="149026"/>
+                <a:pt x="352611" y="144660"/>
               </a:lnTo>
             </a:path>
           </a:pathLst>
@@ -4833,8 +4833,8 @@
       </dsp:nvSpPr>
       <dsp:spPr>
         <a:xfrm>
-          <a:off x="4364706" y="4009288"/>
-          <a:ext cx="558849" cy="372566"/>
+          <a:off x="4239117" y="3991387"/>
+          <a:ext cx="542478" cy="361652"/>
         </a:xfrm>
         <a:prstGeom prst="roundRect">
           <a:avLst>
@@ -4878,12 +4878,12 @@
         </a:fontRef>
       </dsp:style>
       <dsp:txBody>
-        <a:bodyPr spcFirstLastPara="0" vert="horz" wrap="square" lIns="34290" tIns="34290" rIns="34290" bIns="34290" numCol="1" spcCol="1270" anchor="ctr" anchorCtr="0">
+        <a:bodyPr spcFirstLastPara="0" vert="horz" wrap="square" lIns="30480" tIns="30480" rIns="30480" bIns="30480" numCol="1" spcCol="1270" anchor="ctr" anchorCtr="0">
           <a:noAutofit/>
         </a:bodyPr>
         <a:lstStyle/>
         <a:p>
-          <a:pPr lvl="0" algn="ctr" defTabSz="400050">
+          <a:pPr lvl="0" algn="ctr" defTabSz="355600">
             <a:lnSpc>
               <a:spcPct val="90000"/>
             </a:lnSpc>
@@ -4895,15 +4895,15 @@
             </a:spcAft>
           </a:pPr>
           <a:r>
-            <a:rPr lang="zh-TW" altLang="en-US" sz="900" kern="1200" dirty="0" smtClean="0"/>
+            <a:rPr lang="zh-TW" altLang="en-US" sz="800" kern="1200" dirty="0" smtClean="0"/>
             <a:t>台灣紅茶</a:t>
           </a:r>
-          <a:endParaRPr lang="zh-TW" altLang="en-US" sz="900" kern="1200" dirty="0"/>
+          <a:endParaRPr lang="zh-TW" altLang="en-US" sz="800" kern="1200" dirty="0"/>
         </a:p>
       </dsp:txBody>
       <dsp:txXfrm>
-        <a:off x="4375618" y="4020200"/>
-        <a:ext cx="537025" cy="350742"/>
+        <a:off x="4249709" y="4001979"/>
+        <a:ext cx="521294" cy="340468"/>
       </dsp:txXfrm>
     </dsp:sp>
     <dsp:sp modelId="{1B4B6C07-EC06-41F4-9FC8-90495487DD54}">
@@ -4913,8 +4913,8 @@
       </dsp:nvSpPr>
       <dsp:spPr>
         <a:xfrm>
-          <a:off x="4280878" y="3860261"/>
-          <a:ext cx="1089756" cy="149026"/>
+          <a:off x="4157745" y="3846726"/>
+          <a:ext cx="1057833" cy="144660"/>
         </a:xfrm>
         <a:custGeom>
           <a:avLst/>
@@ -4928,13 +4928,13 @@
                 <a:pt x="0" y="0"/>
               </a:moveTo>
               <a:lnTo>
-                <a:pt x="0" y="74513"/>
+                <a:pt x="0" y="72330"/>
               </a:lnTo>
               <a:lnTo>
-                <a:pt x="1089756" y="74513"/>
+                <a:pt x="1057833" y="72330"/>
               </a:lnTo>
               <a:lnTo>
-                <a:pt x="1089756" y="149026"/>
+                <a:pt x="1057833" y="144660"/>
               </a:lnTo>
             </a:path>
           </a:pathLst>
@@ -4975,8 +4975,8 @@
       </dsp:nvSpPr>
       <dsp:spPr>
         <a:xfrm>
-          <a:off x="5091210" y="4009288"/>
-          <a:ext cx="558849" cy="372566"/>
+          <a:off x="4944339" y="3991387"/>
+          <a:ext cx="542478" cy="361652"/>
         </a:xfrm>
         <a:prstGeom prst="roundRect">
           <a:avLst>
@@ -5020,12 +5020,12 @@
         </a:fontRef>
       </dsp:style>
       <dsp:txBody>
-        <a:bodyPr spcFirstLastPara="0" vert="horz" wrap="square" lIns="34290" tIns="34290" rIns="34290" bIns="34290" numCol="1" spcCol="1270" anchor="ctr" anchorCtr="0">
+        <a:bodyPr spcFirstLastPara="0" vert="horz" wrap="square" lIns="30480" tIns="30480" rIns="30480" bIns="30480" numCol="1" spcCol="1270" anchor="ctr" anchorCtr="0">
           <a:noAutofit/>
         </a:bodyPr>
         <a:lstStyle/>
         <a:p>
-          <a:pPr lvl="0" algn="ctr" defTabSz="400050">
+          <a:pPr lvl="0" algn="ctr" defTabSz="355600">
             <a:lnSpc>
               <a:spcPct val="90000"/>
             </a:lnSpc>
@@ -5037,15 +5037,15 @@
             </a:spcAft>
           </a:pPr>
           <a:r>
-            <a:rPr lang="zh-TW" altLang="en-US" sz="900" kern="1200" dirty="0" smtClean="0"/>
+            <a:rPr lang="zh-TW" altLang="en-US" sz="800" kern="1200" dirty="0" smtClean="0"/>
             <a:t>大吉嶺茶</a:t>
           </a:r>
-          <a:endParaRPr lang="zh-TW" altLang="en-US" sz="900" kern="1200" dirty="0"/>
+          <a:endParaRPr lang="zh-TW" altLang="en-US" sz="800" kern="1200" dirty="0"/>
         </a:p>
       </dsp:txBody>
       <dsp:txXfrm>
-        <a:off x="5102122" y="4020200"/>
-        <a:ext cx="537025" cy="350742"/>
+        <a:off x="4954931" y="4001979"/>
+        <a:ext cx="521294" cy="340468"/>
       </dsp:txXfrm>
     </dsp:sp>
     <dsp:sp modelId="{64527C4D-5B48-4981-9F54-3965F911AD55}">
@@ -5055,8 +5055,8 @@
       </dsp:nvSpPr>
       <dsp:spPr>
         <a:xfrm>
-          <a:off x="7141176" y="3338668"/>
-          <a:ext cx="91440" cy="149026"/>
+          <a:off x="6932914" y="3340413"/>
+          <a:ext cx="91440" cy="144660"/>
         </a:xfrm>
         <a:custGeom>
           <a:avLst/>
@@ -5070,7 +5070,7 @@
                 <a:pt x="45720" y="0"/>
               </a:moveTo>
               <a:lnTo>
-                <a:pt x="45720" y="149026"/>
+                <a:pt x="45720" y="144660"/>
               </a:lnTo>
             </a:path>
           </a:pathLst>
@@ -5111,8 +5111,8 @@
       </dsp:nvSpPr>
       <dsp:spPr>
         <a:xfrm>
-          <a:off x="6907471" y="3487695"/>
-          <a:ext cx="558849" cy="372566"/>
+          <a:off x="6707394" y="3485074"/>
+          <a:ext cx="542478" cy="361652"/>
         </a:xfrm>
         <a:prstGeom prst="roundRect">
           <a:avLst>
@@ -5156,12 +5156,12 @@
         </a:fontRef>
       </dsp:style>
       <dsp:txBody>
-        <a:bodyPr spcFirstLastPara="0" vert="horz" wrap="square" lIns="34290" tIns="34290" rIns="34290" bIns="34290" numCol="1" spcCol="1270" anchor="ctr" anchorCtr="0">
+        <a:bodyPr spcFirstLastPara="0" vert="horz" wrap="square" lIns="30480" tIns="30480" rIns="30480" bIns="30480" numCol="1" spcCol="1270" anchor="ctr" anchorCtr="0">
           <a:noAutofit/>
         </a:bodyPr>
         <a:lstStyle/>
         <a:p>
-          <a:pPr lvl="0" algn="ctr" defTabSz="400050">
+          <a:pPr lvl="0" algn="ctr" defTabSz="355600">
             <a:lnSpc>
               <a:spcPct val="90000"/>
             </a:lnSpc>
@@ -5173,15 +5173,15 @@
             </a:spcAft>
           </a:pPr>
           <a:r>
-            <a:rPr lang="zh-TW" altLang="en-US" sz="900" kern="1200" dirty="0" smtClean="0"/>
+            <a:rPr lang="zh-TW" altLang="en-US" sz="800" kern="1200" dirty="0" smtClean="0"/>
             <a:t>綠茶</a:t>
           </a:r>
-          <a:endParaRPr lang="zh-TW" altLang="en-US" sz="900" kern="1200" dirty="0"/>
+          <a:endParaRPr lang="zh-TW" altLang="en-US" sz="800" kern="1200" dirty="0"/>
         </a:p>
       </dsp:txBody>
       <dsp:txXfrm>
-        <a:off x="6918383" y="3498607"/>
-        <a:ext cx="537025" cy="350742"/>
+        <a:off x="6717986" y="3495666"/>
+        <a:ext cx="521294" cy="340468"/>
       </dsp:txXfrm>
     </dsp:sp>
     <dsp:sp modelId="{AB5299D9-364A-444B-A96E-990DEA02870D}">
@@ -5191,8 +5191,8 @@
       </dsp:nvSpPr>
       <dsp:spPr>
         <a:xfrm>
-          <a:off x="6119119" y="3860261"/>
-          <a:ext cx="1067777" cy="142864"/>
+          <a:off x="5942136" y="3846726"/>
+          <a:ext cx="1036497" cy="138679"/>
         </a:xfrm>
         <a:custGeom>
           <a:avLst/>
@@ -5203,16 +5203,16 @@
           <a:pathLst>
             <a:path>
               <a:moveTo>
-                <a:pt x="1067777" y="0"/>
+                <a:pt x="1036497" y="0"/>
               </a:moveTo>
               <a:lnTo>
-                <a:pt x="1067777" y="71432"/>
+                <a:pt x="1036497" y="69339"/>
               </a:lnTo>
               <a:lnTo>
-                <a:pt x="0" y="71432"/>
+                <a:pt x="0" y="69339"/>
               </a:lnTo>
               <a:lnTo>
-                <a:pt x="0" y="142864"/>
+                <a:pt x="0" y="138679"/>
               </a:lnTo>
             </a:path>
           </a:pathLst>
@@ -5253,8 +5253,8 @@
       </dsp:nvSpPr>
       <dsp:spPr>
         <a:xfrm>
-          <a:off x="5839694" y="4003125"/>
-          <a:ext cx="558849" cy="372566"/>
+          <a:off x="5670897" y="3985405"/>
+          <a:ext cx="542478" cy="361652"/>
         </a:xfrm>
         <a:prstGeom prst="roundRect">
           <a:avLst>
@@ -5298,12 +5298,12 @@
         </a:fontRef>
       </dsp:style>
       <dsp:txBody>
-        <a:bodyPr spcFirstLastPara="0" vert="horz" wrap="square" lIns="34290" tIns="34290" rIns="34290" bIns="34290" numCol="1" spcCol="1270" anchor="ctr" anchorCtr="0">
+        <a:bodyPr spcFirstLastPara="0" vert="horz" wrap="square" lIns="30480" tIns="30480" rIns="30480" bIns="30480" numCol="1" spcCol="1270" anchor="ctr" anchorCtr="0">
           <a:noAutofit/>
         </a:bodyPr>
         <a:lstStyle/>
         <a:p>
-          <a:pPr lvl="0" algn="ctr" defTabSz="400050">
+          <a:pPr lvl="0" algn="ctr" defTabSz="355600">
             <a:lnSpc>
               <a:spcPct val="90000"/>
             </a:lnSpc>
@@ -5315,15 +5315,15 @@
             </a:spcAft>
           </a:pPr>
           <a:r>
-            <a:rPr lang="zh-TW" altLang="en-US" sz="900" b="0" i="0" kern="1200" dirty="0" smtClean="0"/>
+            <a:rPr lang="zh-TW" altLang="en-US" sz="800" b="0" i="0" kern="1200" dirty="0" smtClean="0"/>
             <a:t>台灣碧螺春綠茶</a:t>
           </a:r>
-          <a:endParaRPr lang="zh-TW" altLang="en-US" sz="900" kern="1200" dirty="0"/>
+          <a:endParaRPr lang="zh-TW" altLang="en-US" sz="800" kern="1200" dirty="0"/>
         </a:p>
       </dsp:txBody>
       <dsp:txXfrm>
-        <a:off x="5850606" y="4014037"/>
-        <a:ext cx="537025" cy="350742"/>
+        <a:off x="5681489" y="3995997"/>
+        <a:ext cx="521294" cy="340468"/>
       </dsp:txXfrm>
     </dsp:sp>
     <dsp:sp modelId="{161350FB-7149-4669-944B-38EC25D2968A}">
@@ -5333,8 +5333,8 @@
       </dsp:nvSpPr>
       <dsp:spPr>
         <a:xfrm>
-          <a:off x="6845624" y="3860261"/>
-          <a:ext cx="341272" cy="142864"/>
+          <a:off x="6647358" y="3846726"/>
+          <a:ext cx="331275" cy="138679"/>
         </a:xfrm>
         <a:custGeom>
           <a:avLst/>
@@ -5345,16 +5345,16 @@
           <a:pathLst>
             <a:path>
               <a:moveTo>
-                <a:pt x="341272" y="0"/>
+                <a:pt x="331275" y="0"/>
               </a:moveTo>
               <a:lnTo>
-                <a:pt x="341272" y="71432"/>
+                <a:pt x="331275" y="69339"/>
               </a:lnTo>
               <a:lnTo>
-                <a:pt x="0" y="71432"/>
+                <a:pt x="0" y="69339"/>
               </a:lnTo>
               <a:lnTo>
-                <a:pt x="0" y="142864"/>
+                <a:pt x="0" y="138679"/>
               </a:lnTo>
             </a:path>
           </a:pathLst>
@@ -5395,8 +5395,8 @@
       </dsp:nvSpPr>
       <dsp:spPr>
         <a:xfrm>
-          <a:off x="6566199" y="4003125"/>
-          <a:ext cx="558849" cy="372566"/>
+          <a:off x="6376119" y="3985405"/>
+          <a:ext cx="542478" cy="361652"/>
         </a:xfrm>
         <a:prstGeom prst="roundRect">
           <a:avLst>
@@ -5440,12 +5440,12 @@
         </a:fontRef>
       </dsp:style>
       <dsp:txBody>
-        <a:bodyPr spcFirstLastPara="0" vert="horz" wrap="square" lIns="34290" tIns="34290" rIns="34290" bIns="34290" numCol="1" spcCol="1270" anchor="ctr" anchorCtr="0">
+        <a:bodyPr spcFirstLastPara="0" vert="horz" wrap="square" lIns="30480" tIns="30480" rIns="30480" bIns="30480" numCol="1" spcCol="1270" anchor="ctr" anchorCtr="0">
           <a:noAutofit/>
         </a:bodyPr>
         <a:lstStyle/>
         <a:p>
-          <a:pPr lvl="0" algn="ctr" defTabSz="400050">
+          <a:pPr lvl="0" algn="ctr" defTabSz="355600">
             <a:lnSpc>
               <a:spcPct val="90000"/>
             </a:lnSpc>
@@ -5457,15 +5457,15 @@
             </a:spcAft>
           </a:pPr>
           <a:r>
-            <a:rPr lang="zh-TW" altLang="en-US" sz="900" b="0" i="0" kern="1200" dirty="0" smtClean="0"/>
+            <a:rPr lang="zh-TW" altLang="en-US" sz="800" b="0" i="0" kern="1200" dirty="0" smtClean="0"/>
             <a:t>台灣龍井茶</a:t>
           </a:r>
-          <a:endParaRPr lang="zh-TW" altLang="en-US" sz="900" kern="1200" dirty="0"/>
+          <a:endParaRPr lang="zh-TW" altLang="en-US" sz="800" kern="1200" dirty="0"/>
         </a:p>
       </dsp:txBody>
       <dsp:txXfrm>
-        <a:off x="6577111" y="4014037"/>
-        <a:ext cx="537025" cy="350742"/>
+        <a:off x="6386711" y="3995997"/>
+        <a:ext cx="521294" cy="340468"/>
       </dsp:txXfrm>
     </dsp:sp>
     <dsp:sp modelId="{9FD162F6-E134-4F7E-851D-9C2C8CBB47A8}">
@@ -5475,8 +5475,8 @@
       </dsp:nvSpPr>
       <dsp:spPr>
         <a:xfrm>
-          <a:off x="7186896" y="3860261"/>
-          <a:ext cx="385231" cy="142864"/>
+          <a:off x="6978634" y="3846726"/>
+          <a:ext cx="373946" cy="138679"/>
         </a:xfrm>
         <a:custGeom>
           <a:avLst/>
@@ -5490,13 +5490,13 @@
                 <a:pt x="0" y="0"/>
               </a:moveTo>
               <a:lnTo>
-                <a:pt x="0" y="71432"/>
+                <a:pt x="0" y="69339"/>
               </a:lnTo>
               <a:lnTo>
-                <a:pt x="385231" y="71432"/>
+                <a:pt x="373946" y="69339"/>
               </a:lnTo>
               <a:lnTo>
-                <a:pt x="385231" y="142864"/>
+                <a:pt x="373946" y="138679"/>
               </a:lnTo>
             </a:path>
           </a:pathLst>
@@ -5537,8 +5537,8 @@
       </dsp:nvSpPr>
       <dsp:spPr>
         <a:xfrm>
-          <a:off x="7292703" y="4003125"/>
-          <a:ext cx="558849" cy="372566"/>
+          <a:off x="7081341" y="3985405"/>
+          <a:ext cx="542478" cy="361652"/>
         </a:xfrm>
         <a:prstGeom prst="roundRect">
           <a:avLst>
@@ -5582,12 +5582,12 @@
         </a:fontRef>
       </dsp:style>
       <dsp:txBody>
-        <a:bodyPr spcFirstLastPara="0" vert="horz" wrap="square" lIns="34290" tIns="34290" rIns="34290" bIns="34290" numCol="1" spcCol="1270" anchor="ctr" anchorCtr="0">
+        <a:bodyPr spcFirstLastPara="0" vert="horz" wrap="square" lIns="30480" tIns="30480" rIns="30480" bIns="30480" numCol="1" spcCol="1270" anchor="ctr" anchorCtr="0">
           <a:noAutofit/>
         </a:bodyPr>
         <a:lstStyle/>
         <a:p>
-          <a:pPr lvl="0" algn="ctr" defTabSz="400050">
+          <a:pPr lvl="0" algn="ctr" defTabSz="355600">
             <a:lnSpc>
               <a:spcPct val="90000"/>
             </a:lnSpc>
@@ -5599,15 +5599,15 @@
             </a:spcAft>
           </a:pPr>
           <a:r>
-            <a:rPr lang="zh-TW" altLang="en-US" sz="900" b="1" i="0" kern="1200" dirty="0" smtClean="0"/>
+            <a:rPr lang="zh-TW" altLang="en-US" sz="800" b="1" i="0" kern="1200" dirty="0" smtClean="0"/>
             <a:t>桂平西山茶</a:t>
           </a:r>
-          <a:endParaRPr lang="zh-TW" altLang="en-US" sz="900" kern="1200" dirty="0"/>
+          <a:endParaRPr lang="zh-TW" altLang="en-US" sz="800" kern="1200" dirty="0"/>
         </a:p>
       </dsp:txBody>
       <dsp:txXfrm>
-        <a:off x="7303615" y="4014037"/>
-        <a:ext cx="537025" cy="350742"/>
+        <a:off x="7091933" y="3995997"/>
+        <a:ext cx="521294" cy="340468"/>
       </dsp:txXfrm>
     </dsp:sp>
     <dsp:sp modelId="{F5F5ADE8-B65B-40B0-BC8C-B2D7C64B0871}">
@@ -5617,8 +5617,8 @@
       </dsp:nvSpPr>
       <dsp:spPr>
         <a:xfrm>
-          <a:off x="7186896" y="3860261"/>
-          <a:ext cx="1111736" cy="142864"/>
+          <a:off x="6978634" y="3846726"/>
+          <a:ext cx="1079168" cy="138679"/>
         </a:xfrm>
         <a:custGeom>
           <a:avLst/>
@@ -5632,13 +5632,13 @@
                 <a:pt x="0" y="0"/>
               </a:moveTo>
               <a:lnTo>
-                <a:pt x="0" y="71432"/>
+                <a:pt x="0" y="69339"/>
               </a:lnTo>
               <a:lnTo>
-                <a:pt x="1111736" y="71432"/>
+                <a:pt x="1079168" y="69339"/>
               </a:lnTo>
               <a:lnTo>
-                <a:pt x="1111736" y="142864"/>
+                <a:pt x="1079168" y="138679"/>
               </a:lnTo>
             </a:path>
           </a:pathLst>
@@ -5679,8 +5679,8 @@
       </dsp:nvSpPr>
       <dsp:spPr>
         <a:xfrm>
-          <a:off x="8019208" y="4003125"/>
-          <a:ext cx="558849" cy="372566"/>
+          <a:off x="7786563" y="3985405"/>
+          <a:ext cx="542478" cy="361652"/>
         </a:xfrm>
         <a:prstGeom prst="roundRect">
           <a:avLst>
@@ -5724,12 +5724,12 @@
         </a:fontRef>
       </dsp:style>
       <dsp:txBody>
-        <a:bodyPr spcFirstLastPara="0" vert="horz" wrap="square" lIns="34290" tIns="34290" rIns="34290" bIns="34290" numCol="1" spcCol="1270" anchor="ctr" anchorCtr="0">
+        <a:bodyPr spcFirstLastPara="0" vert="horz" wrap="square" lIns="30480" tIns="30480" rIns="30480" bIns="30480" numCol="1" spcCol="1270" anchor="ctr" anchorCtr="0">
           <a:noAutofit/>
         </a:bodyPr>
         <a:lstStyle/>
         <a:p>
-          <a:pPr lvl="0" algn="ctr" defTabSz="400050">
+          <a:pPr lvl="0" algn="ctr" defTabSz="355600">
             <a:lnSpc>
               <a:spcPct val="90000"/>
             </a:lnSpc>
@@ -5741,15 +5741,15 @@
             </a:spcAft>
           </a:pPr>
           <a:r>
-            <a:rPr lang="zh-TW" altLang="en-US" sz="900" b="1" i="0" kern="1200" smtClean="0"/>
+            <a:rPr lang="zh-TW" altLang="en-US" sz="800" b="1" i="0" kern="1200" smtClean="0"/>
             <a:t>午子仙毫茶</a:t>
           </a:r>
-          <a:endParaRPr lang="zh-TW" altLang="en-US" sz="900" kern="1200" dirty="0"/>
+          <a:endParaRPr lang="zh-TW" altLang="en-US" sz="800" kern="1200" dirty="0"/>
         </a:p>
       </dsp:txBody>
       <dsp:txXfrm>
-        <a:off x="8030120" y="4014037"/>
-        <a:ext cx="537025" cy="350742"/>
+        <a:off x="7797155" y="3995997"/>
+        <a:ext cx="521294" cy="340468"/>
       </dsp:txXfrm>
     </dsp:sp>
     <dsp:sp modelId="{27317EB8-F236-4991-BD6B-EB8620955F05}">
@@ -5759,8 +5759,8 @@
       </dsp:nvSpPr>
       <dsp:spPr>
         <a:xfrm>
-          <a:off x="7186896" y="3338668"/>
-          <a:ext cx="2906017" cy="149026"/>
+          <a:off x="6978634" y="3340413"/>
+          <a:ext cx="2820888" cy="144660"/>
         </a:xfrm>
         <a:custGeom>
           <a:avLst/>
@@ -5774,13 +5774,13 @@
                 <a:pt x="0" y="0"/>
               </a:moveTo>
               <a:lnTo>
-                <a:pt x="0" y="74513"/>
+                <a:pt x="0" y="72330"/>
               </a:lnTo>
               <a:lnTo>
-                <a:pt x="2906017" y="74513"/>
+                <a:pt x="2820888" y="72330"/>
               </a:lnTo>
               <a:lnTo>
-                <a:pt x="2906017" y="149026"/>
+                <a:pt x="2820888" y="144660"/>
               </a:lnTo>
             </a:path>
           </a:pathLst>
@@ -5821,8 +5821,8 @@
       </dsp:nvSpPr>
       <dsp:spPr>
         <a:xfrm>
-          <a:off x="9813489" y="3487695"/>
-          <a:ext cx="558849" cy="372566"/>
+          <a:off x="9528283" y="3485074"/>
+          <a:ext cx="542478" cy="361652"/>
         </a:xfrm>
         <a:prstGeom prst="roundRect">
           <a:avLst>
@@ -5866,12 +5866,12 @@
         </a:fontRef>
       </dsp:style>
       <dsp:txBody>
-        <a:bodyPr spcFirstLastPara="0" vert="horz" wrap="square" lIns="34290" tIns="34290" rIns="34290" bIns="34290" numCol="1" spcCol="1270" anchor="ctr" anchorCtr="0">
+        <a:bodyPr spcFirstLastPara="0" vert="horz" wrap="square" lIns="30480" tIns="30480" rIns="30480" bIns="30480" numCol="1" spcCol="1270" anchor="ctr" anchorCtr="0">
           <a:noAutofit/>
         </a:bodyPr>
         <a:lstStyle/>
         <a:p>
-          <a:pPr lvl="0" algn="ctr" defTabSz="400050">
+          <a:pPr lvl="0" algn="ctr" defTabSz="355600">
             <a:lnSpc>
               <a:spcPct val="90000"/>
             </a:lnSpc>
@@ -5883,15 +5883,15 @@
             </a:spcAft>
           </a:pPr>
           <a:r>
-            <a:rPr lang="zh-TW" altLang="en-US" sz="900" kern="1200" dirty="0" smtClean="0"/>
+            <a:rPr lang="zh-TW" altLang="en-US" sz="800" kern="1200" dirty="0" smtClean="0"/>
             <a:t>烏龍茶</a:t>
           </a:r>
-          <a:endParaRPr lang="zh-TW" altLang="en-US" sz="900" kern="1200" dirty="0"/>
+          <a:endParaRPr lang="zh-TW" altLang="en-US" sz="800" kern="1200" dirty="0"/>
         </a:p>
       </dsp:txBody>
       <dsp:txXfrm>
-        <a:off x="9824401" y="3498607"/>
-        <a:ext cx="537025" cy="350742"/>
+        <a:off x="9538875" y="3495666"/>
+        <a:ext cx="521294" cy="340468"/>
       </dsp:txXfrm>
     </dsp:sp>
     <dsp:sp modelId="{0FA85190-5006-4333-8FA7-0F06EBC865A3}">
@@ -5901,8 +5901,8 @@
       </dsp:nvSpPr>
       <dsp:spPr>
         <a:xfrm>
-          <a:off x="9025137" y="3860261"/>
-          <a:ext cx="1067777" cy="134071"/>
+          <a:off x="8763025" y="3846726"/>
+          <a:ext cx="1036497" cy="130144"/>
         </a:xfrm>
         <a:custGeom>
           <a:avLst/>
@@ -5913,16 +5913,16 @@
           <a:pathLst>
             <a:path>
               <a:moveTo>
-                <a:pt x="1067777" y="0"/>
+                <a:pt x="1036497" y="0"/>
               </a:moveTo>
               <a:lnTo>
-                <a:pt x="1067777" y="67035"/>
+                <a:pt x="1036497" y="65072"/>
               </a:lnTo>
               <a:lnTo>
-                <a:pt x="0" y="67035"/>
+                <a:pt x="0" y="65072"/>
               </a:lnTo>
               <a:lnTo>
-                <a:pt x="0" y="134071"/>
+                <a:pt x="0" y="130144"/>
               </a:lnTo>
             </a:path>
           </a:pathLst>
@@ -5963,8 +5963,8 @@
       </dsp:nvSpPr>
       <dsp:spPr>
         <a:xfrm>
-          <a:off x="8745712" y="3994333"/>
-          <a:ext cx="558849" cy="372566"/>
+          <a:off x="8491785" y="3976870"/>
+          <a:ext cx="542478" cy="361652"/>
         </a:xfrm>
         <a:prstGeom prst="roundRect">
           <a:avLst>
@@ -6008,12 +6008,12 @@
         </a:fontRef>
       </dsp:style>
       <dsp:txBody>
-        <a:bodyPr spcFirstLastPara="0" vert="horz" wrap="square" lIns="34290" tIns="34290" rIns="34290" bIns="34290" numCol="1" spcCol="1270" anchor="ctr" anchorCtr="0">
+        <a:bodyPr spcFirstLastPara="0" vert="horz" wrap="square" lIns="30480" tIns="30480" rIns="30480" bIns="30480" numCol="1" spcCol="1270" anchor="ctr" anchorCtr="0">
           <a:noAutofit/>
         </a:bodyPr>
         <a:lstStyle/>
         <a:p>
-          <a:pPr lvl="0" algn="ctr" defTabSz="400050">
+          <a:pPr lvl="0" algn="ctr" defTabSz="355600">
             <a:lnSpc>
               <a:spcPct val="90000"/>
             </a:lnSpc>
@@ -6025,15 +6025,15 @@
             </a:spcAft>
           </a:pPr>
           <a:r>
-            <a:rPr lang="zh-TW" altLang="en-US" sz="900" kern="1200" dirty="0" smtClean="0"/>
+            <a:rPr lang="zh-TW" altLang="en-US" sz="800" kern="1200" dirty="0" smtClean="0"/>
             <a:t>大紅袍</a:t>
           </a:r>
-          <a:endParaRPr lang="zh-TW" altLang="en-US" sz="900" kern="1200" dirty="0"/>
+          <a:endParaRPr lang="zh-TW" altLang="en-US" sz="800" kern="1200" dirty="0"/>
         </a:p>
       </dsp:txBody>
       <dsp:txXfrm>
-        <a:off x="8756624" y="4005245"/>
-        <a:ext cx="537025" cy="350742"/>
+        <a:off x="8502377" y="3987462"/>
+        <a:ext cx="521294" cy="340468"/>
       </dsp:txXfrm>
     </dsp:sp>
     <dsp:sp modelId="{0CAA3385-E482-4293-A1AB-83E5F5995BF8}">
@@ -6043,8 +6043,8 @@
       </dsp:nvSpPr>
       <dsp:spPr>
         <a:xfrm>
-          <a:off x="9751642" y="3860261"/>
-          <a:ext cx="341272" cy="134071"/>
+          <a:off x="9468247" y="3846726"/>
+          <a:ext cx="331275" cy="130144"/>
         </a:xfrm>
         <a:custGeom>
           <a:avLst/>
@@ -6055,16 +6055,16 @@
           <a:pathLst>
             <a:path>
               <a:moveTo>
-                <a:pt x="341272" y="0"/>
+                <a:pt x="331275" y="0"/>
               </a:moveTo>
               <a:lnTo>
-                <a:pt x="341272" y="67035"/>
+                <a:pt x="331275" y="65072"/>
               </a:lnTo>
               <a:lnTo>
-                <a:pt x="0" y="67035"/>
+                <a:pt x="0" y="65072"/>
               </a:lnTo>
               <a:lnTo>
-                <a:pt x="0" y="134071"/>
+                <a:pt x="0" y="130144"/>
               </a:lnTo>
             </a:path>
           </a:pathLst>
@@ -6105,8 +6105,8 @@
       </dsp:nvSpPr>
       <dsp:spPr>
         <a:xfrm>
-          <a:off x="9472217" y="3994333"/>
-          <a:ext cx="558849" cy="372566"/>
+          <a:off x="9197007" y="3976870"/>
+          <a:ext cx="542478" cy="361652"/>
         </a:xfrm>
         <a:prstGeom prst="roundRect">
           <a:avLst>
@@ -6150,12 +6150,12 @@
         </a:fontRef>
       </dsp:style>
       <dsp:txBody>
-        <a:bodyPr spcFirstLastPara="0" vert="horz" wrap="square" lIns="34290" tIns="34290" rIns="34290" bIns="34290" numCol="1" spcCol="1270" anchor="ctr" anchorCtr="0">
+        <a:bodyPr spcFirstLastPara="0" vert="horz" wrap="square" lIns="30480" tIns="30480" rIns="30480" bIns="30480" numCol="1" spcCol="1270" anchor="ctr" anchorCtr="0">
           <a:noAutofit/>
         </a:bodyPr>
         <a:lstStyle/>
         <a:p>
-          <a:pPr lvl="0" algn="ctr" defTabSz="400050">
+          <a:pPr lvl="0" algn="ctr" defTabSz="355600">
             <a:lnSpc>
               <a:spcPct val="90000"/>
             </a:lnSpc>
@@ -6167,15 +6167,15 @@
             </a:spcAft>
           </a:pPr>
           <a:r>
-            <a:rPr lang="zh-TW" altLang="en-US" sz="900" kern="1200" dirty="0" smtClean="0"/>
+            <a:rPr lang="zh-TW" altLang="en-US" sz="800" kern="1200" dirty="0" smtClean="0"/>
             <a:t>鐵觀音</a:t>
           </a:r>
-          <a:endParaRPr lang="zh-TW" altLang="en-US" sz="900" kern="1200" dirty="0"/>
+          <a:endParaRPr lang="zh-TW" altLang="en-US" sz="800" kern="1200" dirty="0"/>
         </a:p>
       </dsp:txBody>
       <dsp:txXfrm>
-        <a:off x="9483129" y="4005245"/>
-        <a:ext cx="537025" cy="350742"/>
+        <a:off x="9207599" y="3987462"/>
+        <a:ext cx="521294" cy="340468"/>
       </dsp:txXfrm>
     </dsp:sp>
     <dsp:sp modelId="{F794E468-173F-4A1B-B14B-860203EBA7CC}">
@@ -6185,8 +6185,8 @@
       </dsp:nvSpPr>
       <dsp:spPr>
         <a:xfrm>
-          <a:off x="10092914" y="3860261"/>
-          <a:ext cx="385231" cy="134071"/>
+          <a:off x="9799522" y="3846726"/>
+          <a:ext cx="373946" cy="130144"/>
         </a:xfrm>
         <a:custGeom>
           <a:avLst/>
@@ -6200,13 +6200,13 @@
                 <a:pt x="0" y="0"/>
               </a:moveTo>
               <a:lnTo>
-                <a:pt x="0" y="67035"/>
+                <a:pt x="0" y="65072"/>
               </a:lnTo>
               <a:lnTo>
-                <a:pt x="385231" y="67035"/>
+                <a:pt x="373946" y="65072"/>
               </a:lnTo>
               <a:lnTo>
-                <a:pt x="385231" y="134071"/>
+                <a:pt x="373946" y="130144"/>
               </a:lnTo>
             </a:path>
           </a:pathLst>
@@ -6247,8 +6247,8 @@
       </dsp:nvSpPr>
       <dsp:spPr>
         <a:xfrm>
-          <a:off x="10198721" y="3994333"/>
-          <a:ext cx="558849" cy="372566"/>
+          <a:off x="9902229" y="3976870"/>
+          <a:ext cx="542478" cy="361652"/>
         </a:xfrm>
         <a:prstGeom prst="roundRect">
           <a:avLst>
@@ -6292,12 +6292,12 @@
         </a:fontRef>
       </dsp:style>
       <dsp:txBody>
-        <a:bodyPr spcFirstLastPara="0" vert="horz" wrap="square" lIns="34290" tIns="34290" rIns="34290" bIns="34290" numCol="1" spcCol="1270" anchor="ctr" anchorCtr="0">
+        <a:bodyPr spcFirstLastPara="0" vert="horz" wrap="square" lIns="30480" tIns="30480" rIns="30480" bIns="30480" numCol="1" spcCol="1270" anchor="ctr" anchorCtr="0">
           <a:noAutofit/>
         </a:bodyPr>
         <a:lstStyle/>
         <a:p>
-          <a:pPr lvl="0" algn="ctr" defTabSz="400050">
+          <a:pPr lvl="0" algn="ctr" defTabSz="355600">
             <a:lnSpc>
               <a:spcPct val="90000"/>
             </a:lnSpc>
@@ -6309,15 +6309,15 @@
             </a:spcAft>
           </a:pPr>
           <a:r>
-            <a:rPr lang="zh-TW" altLang="en-US" sz="900" kern="1200" dirty="0" smtClean="0"/>
+            <a:rPr lang="zh-TW" altLang="en-US" sz="800" kern="1200" dirty="0" smtClean="0"/>
             <a:t>凍頂烏龍茶</a:t>
           </a:r>
-          <a:endParaRPr lang="zh-TW" altLang="en-US" sz="900" kern="1200" dirty="0"/>
+          <a:endParaRPr lang="zh-TW" altLang="en-US" sz="800" kern="1200" dirty="0"/>
         </a:p>
       </dsp:txBody>
       <dsp:txXfrm>
-        <a:off x="10209633" y="4005245"/>
-        <a:ext cx="537025" cy="350742"/>
+        <a:off x="9912821" y="3987462"/>
+        <a:ext cx="521294" cy="340468"/>
       </dsp:txXfrm>
     </dsp:sp>
     <dsp:sp modelId="{C4D31E4C-C733-4D1D-A90D-38101A24E615}">
@@ -6327,8 +6327,8 @@
       </dsp:nvSpPr>
       <dsp:spPr>
         <a:xfrm>
-          <a:off x="10092914" y="3860261"/>
-          <a:ext cx="1111736" cy="134071"/>
+          <a:off x="9799522" y="3846726"/>
+          <a:ext cx="1079168" cy="130144"/>
         </a:xfrm>
         <a:custGeom>
           <a:avLst/>
@@ -6342,13 +6342,13 @@
                 <a:pt x="0" y="0"/>
               </a:moveTo>
               <a:lnTo>
-                <a:pt x="0" y="67035"/>
+                <a:pt x="0" y="65072"/>
               </a:lnTo>
               <a:lnTo>
-                <a:pt x="1111736" y="67035"/>
+                <a:pt x="1079168" y="65072"/>
               </a:lnTo>
               <a:lnTo>
-                <a:pt x="1111736" y="134071"/>
+                <a:pt x="1079168" y="130144"/>
               </a:lnTo>
             </a:path>
           </a:pathLst>
@@ -6389,8 +6389,8 @@
       </dsp:nvSpPr>
       <dsp:spPr>
         <a:xfrm>
-          <a:off x="10925226" y="3994333"/>
-          <a:ext cx="558849" cy="372566"/>
+          <a:off x="10607452" y="3976870"/>
+          <a:ext cx="542478" cy="361652"/>
         </a:xfrm>
         <a:prstGeom prst="roundRect">
           <a:avLst>
@@ -6434,12 +6434,12 @@
         </a:fontRef>
       </dsp:style>
       <dsp:txBody>
-        <a:bodyPr spcFirstLastPara="0" vert="horz" wrap="square" lIns="34290" tIns="34290" rIns="34290" bIns="34290" numCol="1" spcCol="1270" anchor="ctr" anchorCtr="0">
+        <a:bodyPr spcFirstLastPara="0" vert="horz" wrap="square" lIns="30480" tIns="30480" rIns="30480" bIns="30480" numCol="1" spcCol="1270" anchor="ctr" anchorCtr="0">
           <a:noAutofit/>
         </a:bodyPr>
         <a:lstStyle/>
         <a:p>
-          <a:pPr lvl="0" algn="ctr" defTabSz="400050">
+          <a:pPr lvl="0" algn="ctr" defTabSz="355600">
             <a:lnSpc>
               <a:spcPct val="90000"/>
             </a:lnSpc>
@@ -6451,15 +6451,15 @@
             </a:spcAft>
           </a:pPr>
           <a:r>
-            <a:rPr lang="zh-TW" altLang="en-US" sz="900" kern="1200" dirty="0" smtClean="0"/>
+            <a:rPr lang="zh-TW" altLang="en-US" sz="800" kern="1200" dirty="0" smtClean="0"/>
             <a:t>東方美人茶</a:t>
           </a:r>
-          <a:endParaRPr lang="zh-TW" altLang="en-US" sz="900" kern="1200" dirty="0"/>
+          <a:endParaRPr lang="zh-TW" altLang="en-US" sz="800" kern="1200" dirty="0"/>
         </a:p>
       </dsp:txBody>
       <dsp:txXfrm>
-        <a:off x="10936138" y="4005245"/>
-        <a:ext cx="537025" cy="350742"/>
+        <a:off x="10618044" y="3987462"/>
+        <a:ext cx="521294" cy="340468"/>
       </dsp:txXfrm>
     </dsp:sp>
     <dsp:sp modelId="{3E0054AC-3627-4DA9-8B3A-A19296DD3766}">
@@ -6469,8 +6469,8 @@
       </dsp:nvSpPr>
       <dsp:spPr>
         <a:xfrm>
-          <a:off x="6688911" y="2817075"/>
-          <a:ext cx="1433873" cy="141549"/>
+          <a:off x="6847848" y="2834099"/>
+          <a:ext cx="1039258" cy="137402"/>
         </a:xfrm>
         <a:custGeom>
           <a:avLst/>
@@ -6484,13 +6484,13 @@
                 <a:pt x="0" y="0"/>
               </a:moveTo>
               <a:lnTo>
-                <a:pt x="0" y="70774"/>
+                <a:pt x="0" y="68701"/>
               </a:lnTo>
               <a:lnTo>
-                <a:pt x="1433873" y="70774"/>
+                <a:pt x="1039258" y="68701"/>
               </a:lnTo>
               <a:lnTo>
-                <a:pt x="1433873" y="141549"/>
+                <a:pt x="1039258" y="137402"/>
               </a:lnTo>
             </a:path>
           </a:pathLst>
@@ -6531,8 +6531,8 @@
       </dsp:nvSpPr>
       <dsp:spPr>
         <a:xfrm>
-          <a:off x="7843360" y="2958624"/>
-          <a:ext cx="558849" cy="372566"/>
+          <a:off x="7615867" y="2971502"/>
+          <a:ext cx="542478" cy="361652"/>
         </a:xfrm>
         <a:prstGeom prst="roundRect">
           <a:avLst>
@@ -6576,12 +6576,12 @@
         </a:fontRef>
       </dsp:style>
       <dsp:txBody>
-        <a:bodyPr spcFirstLastPara="0" vert="horz" wrap="square" lIns="34290" tIns="34290" rIns="34290" bIns="34290" numCol="1" spcCol="1270" anchor="ctr" anchorCtr="0">
+        <a:bodyPr spcFirstLastPara="0" vert="horz" wrap="square" lIns="30480" tIns="30480" rIns="30480" bIns="30480" numCol="1" spcCol="1270" anchor="ctr" anchorCtr="0">
           <a:noAutofit/>
         </a:bodyPr>
         <a:lstStyle/>
         <a:p>
-          <a:pPr lvl="0" algn="ctr" defTabSz="400050">
+          <a:pPr lvl="0" algn="ctr" defTabSz="355600">
             <a:lnSpc>
               <a:spcPct val="90000"/>
             </a:lnSpc>
@@ -6593,23 +6593,23 @@
             </a:spcAft>
           </a:pPr>
           <a:r>
-            <a:rPr lang="zh-TW" altLang="en-US" sz="900" kern="1200" dirty="0" smtClean="0"/>
+            <a:rPr lang="zh-TW" altLang="en-US" sz="800" kern="1200" dirty="0" smtClean="0"/>
             <a:t>營業時間</a:t>
           </a:r>
           <a:r>
-            <a:rPr lang="en-US" altLang="zh-TW" sz="900" kern="1200" dirty="0" smtClean="0"/>
+            <a:rPr lang="en-US" altLang="zh-TW" sz="800" kern="1200" dirty="0" smtClean="0"/>
             <a:t>&amp;</a:t>
           </a:r>
           <a:r>
-            <a:rPr lang="zh-TW" altLang="en-US" sz="900" kern="1200" dirty="0" smtClean="0"/>
+            <a:rPr lang="zh-TW" altLang="en-US" sz="800" kern="1200" dirty="0" smtClean="0"/>
             <a:t>交通</a:t>
           </a:r>
-          <a:endParaRPr lang="zh-TW" altLang="en-US" sz="900" kern="1200" dirty="0"/>
+          <a:endParaRPr lang="zh-TW" altLang="en-US" sz="800" kern="1200" dirty="0"/>
         </a:p>
       </dsp:txBody>
       <dsp:txXfrm>
-        <a:off x="7854272" y="2969536"/>
-        <a:ext cx="537025" cy="350742"/>
+        <a:off x="7626459" y="2982094"/>
+        <a:ext cx="521294" cy="340468"/>
       </dsp:txXfrm>
     </dsp:sp>
     <dsp:sp modelId="{FCE3F25F-319D-44F9-9EFD-A2FAD4089698}">
@@ -6619,8 +6619,8 @@
       </dsp:nvSpPr>
       <dsp:spPr>
         <a:xfrm>
-          <a:off x="6688911" y="2817075"/>
-          <a:ext cx="2160378" cy="141549"/>
+          <a:off x="6847848" y="2834099"/>
+          <a:ext cx="1744480" cy="137402"/>
         </a:xfrm>
         <a:custGeom>
           <a:avLst/>
@@ -6634,13 +6634,13 @@
                 <a:pt x="0" y="0"/>
               </a:moveTo>
               <a:lnTo>
-                <a:pt x="0" y="70774"/>
+                <a:pt x="0" y="68701"/>
               </a:lnTo>
               <a:lnTo>
-                <a:pt x="2160378" y="70774"/>
+                <a:pt x="1744480" y="68701"/>
               </a:lnTo>
               <a:lnTo>
-                <a:pt x="2160378" y="141549"/>
+                <a:pt x="1744480" y="137402"/>
               </a:lnTo>
             </a:path>
           </a:pathLst>
@@ -6681,8 +6681,8 @@
       </dsp:nvSpPr>
       <dsp:spPr>
         <a:xfrm>
-          <a:off x="8569865" y="2958624"/>
-          <a:ext cx="558849" cy="372566"/>
+          <a:off x="8321089" y="2971502"/>
+          <a:ext cx="542478" cy="361652"/>
         </a:xfrm>
         <a:prstGeom prst="roundRect">
           <a:avLst>
@@ -6726,12 +6726,12 @@
         </a:fontRef>
       </dsp:style>
       <dsp:txBody>
-        <a:bodyPr spcFirstLastPara="0" vert="horz" wrap="square" lIns="34290" tIns="34290" rIns="34290" bIns="34290" numCol="1" spcCol="1270" anchor="ctr" anchorCtr="0">
+        <a:bodyPr spcFirstLastPara="0" vert="horz" wrap="square" lIns="30480" tIns="30480" rIns="30480" bIns="30480" numCol="1" spcCol="1270" anchor="ctr" anchorCtr="0">
           <a:noAutofit/>
         </a:bodyPr>
         <a:lstStyle/>
         <a:p>
-          <a:pPr lvl="0" algn="ctr" defTabSz="400050">
+          <a:pPr lvl="0" algn="ctr" defTabSz="355600">
             <a:lnSpc>
               <a:spcPct val="90000"/>
             </a:lnSpc>
@@ -6743,23 +6743,23 @@
             </a:spcAft>
           </a:pPr>
           <a:r>
-            <a:rPr lang="zh-TW" altLang="en-US" sz="900" kern="1200" dirty="0" smtClean="0"/>
+            <a:rPr lang="zh-TW" altLang="en-US" sz="800" kern="1200" dirty="0" smtClean="0"/>
             <a:t>餐飲</a:t>
           </a:r>
           <a:r>
-            <a:rPr lang="en-US" altLang="zh-TW" sz="900" kern="1200" dirty="0" smtClean="0"/>
+            <a:rPr lang="en-US" altLang="zh-TW" sz="800" kern="1200" dirty="0" smtClean="0"/>
             <a:t>&amp;</a:t>
           </a:r>
           <a:r>
-            <a:rPr lang="zh-TW" altLang="en-US" sz="900" kern="1200" dirty="0" smtClean="0"/>
+            <a:rPr lang="zh-TW" altLang="en-US" sz="800" kern="1200" dirty="0" smtClean="0"/>
             <a:t>預約參訪</a:t>
           </a:r>
-          <a:endParaRPr lang="zh-TW" altLang="en-US" sz="900" kern="1200" dirty="0"/>
+          <a:endParaRPr lang="zh-TW" altLang="en-US" sz="800" kern="1200" dirty="0"/>
         </a:p>
       </dsp:txBody>
       <dsp:txXfrm>
-        <a:off x="8580777" y="2969536"/>
-        <a:ext cx="537025" cy="350742"/>
+        <a:off x="8331681" y="2982094"/>
+        <a:ext cx="521294" cy="340468"/>
       </dsp:txXfrm>
     </dsp:sp>
     <dsp:sp modelId="{7B9144A5-43F5-4BB7-9876-593E69F8CD4A}">
@@ -6769,8 +6769,8 @@
       </dsp:nvSpPr>
       <dsp:spPr>
         <a:xfrm>
-          <a:off x="6688911" y="2817075"/>
-          <a:ext cx="2886882" cy="141549"/>
+          <a:off x="6847848" y="2834099"/>
+          <a:ext cx="3860146" cy="137402"/>
         </a:xfrm>
         <a:custGeom>
           <a:avLst/>
@@ -6784,13 +6784,13 @@
                 <a:pt x="0" y="0"/>
               </a:moveTo>
               <a:lnTo>
-                <a:pt x="0" y="70774"/>
+                <a:pt x="0" y="68701"/>
               </a:lnTo>
               <a:lnTo>
-                <a:pt x="2886882" y="70774"/>
+                <a:pt x="3860146" y="68701"/>
               </a:lnTo>
               <a:lnTo>
-                <a:pt x="2886882" y="141549"/>
+                <a:pt x="3860146" y="137402"/>
               </a:lnTo>
             </a:path>
           </a:pathLst>
@@ -6831,8 +6831,8 @@
       </dsp:nvSpPr>
       <dsp:spPr>
         <a:xfrm>
-          <a:off x="9296369" y="2958624"/>
-          <a:ext cx="558849" cy="372566"/>
+          <a:off x="10436755" y="2971502"/>
+          <a:ext cx="542478" cy="361652"/>
         </a:xfrm>
         <a:prstGeom prst="roundRect">
           <a:avLst>
@@ -6876,12 +6876,12 @@
         </a:fontRef>
       </dsp:style>
       <dsp:txBody>
-        <a:bodyPr spcFirstLastPara="0" vert="horz" wrap="square" lIns="34290" tIns="34290" rIns="34290" bIns="34290" numCol="1" spcCol="1270" anchor="ctr" anchorCtr="0">
+        <a:bodyPr spcFirstLastPara="0" vert="horz" wrap="square" lIns="30480" tIns="30480" rIns="30480" bIns="30480" numCol="1" spcCol="1270" anchor="ctr" anchorCtr="0">
           <a:noAutofit/>
         </a:bodyPr>
         <a:lstStyle/>
         <a:p>
-          <a:pPr lvl="0" algn="ctr" defTabSz="400050">
+          <a:pPr lvl="0" algn="ctr" defTabSz="355600">
             <a:lnSpc>
               <a:spcPct val="90000"/>
             </a:lnSpc>
@@ -6893,23 +6893,23 @@
             </a:spcAft>
           </a:pPr>
           <a:r>
-            <a:rPr lang="zh-TW" altLang="en-US" sz="900" kern="1200" dirty="0" smtClean="0"/>
+            <a:rPr lang="zh-TW" altLang="en-US" sz="800" kern="1200" dirty="0" smtClean="0"/>
             <a:t>產品</a:t>
           </a:r>
           <a:r>
-            <a:rPr lang="en-US" altLang="zh-TW" sz="900" kern="1200" dirty="0" smtClean="0"/>
+            <a:rPr lang="en-US" altLang="zh-TW" sz="800" kern="1200" dirty="0" smtClean="0"/>
             <a:t>&amp;</a:t>
           </a:r>
           <a:r>
-            <a:rPr lang="zh-TW" altLang="en-US" sz="900" kern="1200" dirty="0" smtClean="0"/>
+            <a:rPr lang="zh-TW" altLang="en-US" sz="800" kern="1200" dirty="0" smtClean="0"/>
             <a:t>線上購物</a:t>
           </a:r>
-          <a:endParaRPr lang="zh-TW" altLang="en-US" sz="900" kern="1200" dirty="0"/>
+          <a:endParaRPr lang="zh-TW" altLang="en-US" sz="800" kern="1200" dirty="0"/>
         </a:p>
       </dsp:txBody>
       <dsp:txXfrm>
-        <a:off x="9307281" y="2969536"/>
-        <a:ext cx="537025" cy="350742"/>
+        <a:off x="10447347" y="2982094"/>
+        <a:ext cx="521294" cy="340468"/>
       </dsp:txXfrm>
     </dsp:sp>
     <dsp:sp modelId="{44BCD8A7-D136-43B1-9451-28DFE51B56CE}">
@@ -6919,8 +6919,8 @@
       </dsp:nvSpPr>
       <dsp:spPr>
         <a:xfrm>
-          <a:off x="6688911" y="2817075"/>
-          <a:ext cx="3613387" cy="141549"/>
+          <a:off x="10662275" y="3333154"/>
+          <a:ext cx="91440" cy="144660"/>
         </a:xfrm>
         <a:custGeom>
           <a:avLst/>
@@ -6931,16 +6931,10 @@
           <a:pathLst>
             <a:path>
               <a:moveTo>
-                <a:pt x="0" y="0"/>
+                <a:pt x="45720" y="0"/>
               </a:moveTo>
               <a:lnTo>
-                <a:pt x="0" y="70774"/>
-              </a:lnTo>
-              <a:lnTo>
-                <a:pt x="3613387" y="70774"/>
-              </a:lnTo>
-              <a:lnTo>
-                <a:pt x="3613387" y="141549"/>
+                <a:pt x="45720" y="144660"/>
               </a:lnTo>
             </a:path>
           </a:pathLst>
@@ -6949,7 +6943,7 @@
         <a:ln w="12700" cap="flat" cmpd="sng" algn="ctr">
           <a:solidFill>
             <a:schemeClr val="accent1">
-              <a:shade val="60000"/>
+              <a:shade val="80000"/>
               <a:hueOff val="0"/>
               <a:satOff val="0"/>
               <a:lumOff val="0"/>
@@ -6981,8 +6975,8 @@
       </dsp:nvSpPr>
       <dsp:spPr>
         <a:xfrm>
-          <a:off x="10022874" y="2958624"/>
-          <a:ext cx="558849" cy="372566"/>
+          <a:off x="10436755" y="3477815"/>
+          <a:ext cx="542478" cy="361652"/>
         </a:xfrm>
         <a:prstGeom prst="roundRect">
           <a:avLst>
@@ -7026,12 +7020,12 @@
         </a:fontRef>
       </dsp:style>
       <dsp:txBody>
-        <a:bodyPr spcFirstLastPara="0" vert="horz" wrap="square" lIns="34290" tIns="34290" rIns="34290" bIns="34290" numCol="1" spcCol="1270" anchor="ctr" anchorCtr="0">
+        <a:bodyPr spcFirstLastPara="0" vert="horz" wrap="square" lIns="30480" tIns="30480" rIns="30480" bIns="30480" numCol="1" spcCol="1270" anchor="ctr" anchorCtr="0">
           <a:noAutofit/>
         </a:bodyPr>
         <a:lstStyle/>
         <a:p>
-          <a:pPr lvl="0" algn="ctr" defTabSz="400050">
+          <a:pPr lvl="0" algn="ctr" defTabSz="355600">
             <a:lnSpc>
               <a:spcPct val="90000"/>
             </a:lnSpc>
@@ -7043,15 +7037,15 @@
             </a:spcAft>
           </a:pPr>
           <a:r>
-            <a:rPr lang="zh-TW" altLang="en-US" sz="900" kern="1200" dirty="0" smtClean="0"/>
+            <a:rPr lang="zh-TW" altLang="en-US" sz="800" kern="1200" dirty="0" smtClean="0"/>
             <a:t>購物說明</a:t>
           </a:r>
-          <a:endParaRPr lang="zh-TW" altLang="en-US" sz="900" kern="1200" dirty="0"/>
+          <a:endParaRPr lang="zh-TW" altLang="en-US" sz="800" kern="1200" dirty="0"/>
         </a:p>
       </dsp:txBody>
       <dsp:txXfrm>
-        <a:off x="10033786" y="2969536"/>
-        <a:ext cx="537025" cy="350742"/>
+        <a:off x="10447347" y="3488407"/>
+        <a:ext cx="521294" cy="340468"/>
       </dsp:txXfrm>
     </dsp:sp>
     <dsp:sp modelId="{12814E32-2A46-4FAE-A322-03D0B124A3D9}">
@@ -7061,8 +7055,8 @@
       </dsp:nvSpPr>
       <dsp:spPr>
         <a:xfrm>
-          <a:off x="6688911" y="2817075"/>
-          <a:ext cx="4339891" cy="141549"/>
+          <a:off x="6847848" y="2834099"/>
+          <a:ext cx="4565368" cy="137402"/>
         </a:xfrm>
         <a:custGeom>
           <a:avLst/>
@@ -7076,13 +7070,13 @@
                 <a:pt x="0" y="0"/>
               </a:moveTo>
               <a:lnTo>
-                <a:pt x="0" y="70774"/>
+                <a:pt x="0" y="68701"/>
               </a:lnTo>
               <a:lnTo>
-                <a:pt x="4339891" y="70774"/>
+                <a:pt x="4565368" y="68701"/>
               </a:lnTo>
               <a:lnTo>
-                <a:pt x="4339891" y="141549"/>
+                <a:pt x="4565368" y="137402"/>
               </a:lnTo>
             </a:path>
           </a:pathLst>
@@ -7123,8 +7117,8 @@
       </dsp:nvSpPr>
       <dsp:spPr>
         <a:xfrm>
-          <a:off x="10749378" y="2958624"/>
-          <a:ext cx="558849" cy="372566"/>
+          <a:off x="11141977" y="2971502"/>
+          <a:ext cx="542478" cy="361652"/>
         </a:xfrm>
         <a:prstGeom prst="roundRect">
           <a:avLst>
@@ -7168,12 +7162,12 @@
         </a:fontRef>
       </dsp:style>
       <dsp:txBody>
-        <a:bodyPr spcFirstLastPara="0" vert="horz" wrap="square" lIns="34290" tIns="34290" rIns="34290" bIns="34290" numCol="1" spcCol="1270" anchor="ctr" anchorCtr="0">
+        <a:bodyPr spcFirstLastPara="0" vert="horz" wrap="square" lIns="30480" tIns="30480" rIns="30480" bIns="30480" numCol="1" spcCol="1270" anchor="ctr" anchorCtr="0">
           <a:noAutofit/>
         </a:bodyPr>
         <a:lstStyle/>
         <a:p>
-          <a:pPr lvl="0" algn="ctr" defTabSz="400050">
+          <a:pPr lvl="0" algn="ctr" defTabSz="355600">
             <a:lnSpc>
               <a:spcPct val="90000"/>
             </a:lnSpc>
@@ -7185,15 +7179,15 @@
             </a:spcAft>
           </a:pPr>
           <a:r>
-            <a:rPr lang="zh-TW" altLang="en-US" sz="900" kern="1200" dirty="0" smtClean="0"/>
+            <a:rPr lang="zh-TW" altLang="en-US" sz="800" kern="1200" dirty="0" smtClean="0"/>
             <a:t>聯絡我們</a:t>
           </a:r>
-          <a:endParaRPr lang="zh-TW" altLang="en-US" sz="900" kern="1200" dirty="0"/>
+          <a:endParaRPr lang="zh-TW" altLang="en-US" sz="800" kern="1200" dirty="0"/>
         </a:p>
       </dsp:txBody>
       <dsp:txXfrm>
-        <a:off x="10760290" y="2969536"/>
-        <a:ext cx="537025" cy="350742"/>
+        <a:off x="11152569" y="2982094"/>
+        <a:ext cx="521294" cy="340468"/>
       </dsp:txXfrm>
     </dsp:sp>
   </dsp:spTree>
@@ -8876,7 +8870,7 @@
           <a:p>
             <a:fld id="{20A3D9E8-80EE-4E2A-8668-A3017667D226}" type="datetimeFigureOut">
               <a:rPr lang="zh-TW" altLang="en-US" smtClean="0"/>
-              <a:t>2018/6/13</a:t>
+              <a:t>2018/6/14</a:t>
             </a:fld>
             <a:endParaRPr lang="zh-TW" altLang="en-US"/>
           </a:p>
@@ -9046,7 +9040,7 @@
           <a:p>
             <a:fld id="{20A3D9E8-80EE-4E2A-8668-A3017667D226}" type="datetimeFigureOut">
               <a:rPr lang="zh-TW" altLang="en-US" smtClean="0"/>
-              <a:t>2018/6/13</a:t>
+              <a:t>2018/6/14</a:t>
             </a:fld>
             <a:endParaRPr lang="zh-TW" altLang="en-US"/>
           </a:p>
@@ -9226,7 +9220,7 @@
           <a:p>
             <a:fld id="{20A3D9E8-80EE-4E2A-8668-A3017667D226}" type="datetimeFigureOut">
               <a:rPr lang="zh-TW" altLang="en-US" smtClean="0"/>
-              <a:t>2018/6/13</a:t>
+              <a:t>2018/6/14</a:t>
             </a:fld>
             <a:endParaRPr lang="zh-TW" altLang="en-US"/>
           </a:p>
@@ -9396,7 +9390,7 @@
           <a:p>
             <a:fld id="{20A3D9E8-80EE-4E2A-8668-A3017667D226}" type="datetimeFigureOut">
               <a:rPr lang="zh-TW" altLang="en-US" smtClean="0"/>
-              <a:t>2018/6/13</a:t>
+              <a:t>2018/6/14</a:t>
             </a:fld>
             <a:endParaRPr lang="zh-TW" altLang="en-US"/>
           </a:p>
@@ -9642,7 +9636,7 @@
           <a:p>
             <a:fld id="{20A3D9E8-80EE-4E2A-8668-A3017667D226}" type="datetimeFigureOut">
               <a:rPr lang="zh-TW" altLang="en-US" smtClean="0"/>
-              <a:t>2018/6/13</a:t>
+              <a:t>2018/6/14</a:t>
             </a:fld>
             <a:endParaRPr lang="zh-TW" altLang="en-US"/>
           </a:p>
@@ -9874,7 +9868,7 @@
           <a:p>
             <a:fld id="{20A3D9E8-80EE-4E2A-8668-A3017667D226}" type="datetimeFigureOut">
               <a:rPr lang="zh-TW" altLang="en-US" smtClean="0"/>
-              <a:t>2018/6/13</a:t>
+              <a:t>2018/6/14</a:t>
             </a:fld>
             <a:endParaRPr lang="zh-TW" altLang="en-US"/>
           </a:p>
@@ -10241,7 +10235,7 @@
           <a:p>
             <a:fld id="{20A3D9E8-80EE-4E2A-8668-A3017667D226}" type="datetimeFigureOut">
               <a:rPr lang="zh-TW" altLang="en-US" smtClean="0"/>
-              <a:t>2018/6/13</a:t>
+              <a:t>2018/6/14</a:t>
             </a:fld>
             <a:endParaRPr lang="zh-TW" altLang="en-US"/>
           </a:p>
@@ -10359,7 +10353,7 @@
           <a:p>
             <a:fld id="{20A3D9E8-80EE-4E2A-8668-A3017667D226}" type="datetimeFigureOut">
               <a:rPr lang="zh-TW" altLang="en-US" smtClean="0"/>
-              <a:t>2018/6/13</a:t>
+              <a:t>2018/6/14</a:t>
             </a:fld>
             <a:endParaRPr lang="zh-TW" altLang="en-US"/>
           </a:p>
@@ -10454,7 +10448,7 @@
           <a:p>
             <a:fld id="{20A3D9E8-80EE-4E2A-8668-A3017667D226}" type="datetimeFigureOut">
               <a:rPr lang="zh-TW" altLang="en-US" smtClean="0"/>
-              <a:t>2018/6/13</a:t>
+              <a:t>2018/6/14</a:t>
             </a:fld>
             <a:endParaRPr lang="zh-TW" altLang="en-US"/>
           </a:p>
@@ -10731,7 +10725,7 @@
           <a:p>
             <a:fld id="{20A3D9E8-80EE-4E2A-8668-A3017667D226}" type="datetimeFigureOut">
               <a:rPr lang="zh-TW" altLang="en-US" smtClean="0"/>
-              <a:t>2018/6/13</a:t>
+              <a:t>2018/6/14</a:t>
             </a:fld>
             <a:endParaRPr lang="zh-TW" altLang="en-US"/>
           </a:p>
@@ -10984,7 +10978,7 @@
           <a:p>
             <a:fld id="{20A3D9E8-80EE-4E2A-8668-A3017667D226}" type="datetimeFigureOut">
               <a:rPr lang="zh-TW" altLang="en-US" smtClean="0"/>
-              <a:t>2018/6/13</a:t>
+              <a:t>2018/6/14</a:t>
             </a:fld>
             <a:endParaRPr lang="zh-TW" altLang="en-US"/>
           </a:p>
@@ -11197,7 +11191,7 @@
           <a:p>
             <a:fld id="{20A3D9E8-80EE-4E2A-8668-A3017667D226}" type="datetimeFigureOut">
               <a:rPr lang="zh-TW" altLang="en-US" smtClean="0"/>
-              <a:t>2018/6/13</a:t>
+              <a:t>2018/6/14</a:t>
             </a:fld>
             <a:endParaRPr lang="zh-TW" altLang="en-US"/>
           </a:p>
@@ -11609,7 +11603,7 @@
           <p:nvPr>
             <p:extLst>
               <p:ext uri="{D42A27DB-BD31-4B8C-83A1-F6EECF244321}">
-                <p14:modId xmlns:p14="http://schemas.microsoft.com/office/powerpoint/2010/main" val="3981307433"/>
+                <p14:modId xmlns:p14="http://schemas.microsoft.com/office/powerpoint/2010/main" val="1518500683"/>
               </p:ext>
             </p:extLst>
           </p:nvPr>
